--- a/MLPresentaion.pptx
+++ b/MLPresentaion.pptx
@@ -16,9 +16,19 @@
     <p:sldId id="263" r:id="rId13"/>
     <p:sldId id="269" r:id="rId14"/>
     <p:sldId id="265" r:id="rId15"/>
-    <p:sldId id="270" r:id="rId16"/>
-    <p:sldId id="266" r:id="rId17"/>
-    <p:sldId id="261" r:id="rId18"/>
+    <p:sldId id="275" r:id="rId16"/>
+    <p:sldId id="270" r:id="rId17"/>
+    <p:sldId id="274" r:id="rId18"/>
+    <p:sldId id="273" r:id="rId19"/>
+    <p:sldId id="282" r:id="rId20"/>
+    <p:sldId id="272" r:id="rId21"/>
+    <p:sldId id="276" r:id="rId22"/>
+    <p:sldId id="280" r:id="rId23"/>
+    <p:sldId id="281" r:id="rId24"/>
+    <p:sldId id="278" r:id="rId25"/>
+    <p:sldId id="279" r:id="rId26"/>
+    <p:sldId id="266" r:id="rId27"/>
+    <p:sldId id="261" r:id="rId28"/>
   </p:sldIdLst>
   <p:sldSz cx="24387175" cy="13716000"/>
   <p:notesSz cx="6858000" cy="9144000"/>
@@ -3899,8 +3909,8 @@
         </p:nvSpPr>
         <p:spPr>
           <a:xfrm>
-            <a:off x="973743" y="3234400"/>
-            <a:ext cx="22598045" cy="1114613"/>
+            <a:off x="973743" y="2320000"/>
+            <a:ext cx="22598045" cy="7522071"/>
           </a:xfrm>
         </p:spPr>
         <p:txBody>
@@ -3916,7 +3926,187 @@
               <a:buFont typeface="Wingdings" charset="2"/>
               <a:buChar char="§"/>
             </a:pPr>
-            <a:endParaRPr lang="en-US" sz="5400" dirty="0">
+            <a:r>
+              <a:rPr lang="en-US" sz="5400" dirty="0" smtClean="0">
+                <a:solidFill>
+                  <a:schemeClr val="tx1"/>
+                </a:solidFill>
+                <a:latin typeface="Tisa Offc"/>
+                <a:cs typeface="Tisa Offc"/>
+              </a:rPr>
+              <a:t>Five models used: Base, Alpha, Beta, Epsilon, and Gamma</a:t>
+            </a:r>
+          </a:p>
+          <a:p>
+            <a:pPr marL="457200" indent="-457200" algn="just">
+              <a:lnSpc>
+                <a:spcPct val="110000"/>
+              </a:lnSpc>
+              <a:buFont typeface="Wingdings" charset="2"/>
+              <a:buChar char="§"/>
+            </a:pPr>
+            <a:r>
+              <a:rPr lang="en-US" sz="5400" dirty="0" smtClean="0">
+                <a:solidFill>
+                  <a:schemeClr val="tx1"/>
+                </a:solidFill>
+                <a:latin typeface="Tisa Offc"/>
+                <a:cs typeface="Tisa Offc"/>
+              </a:rPr>
+              <a:t>Images used for each model were manipulated in one or more ways:</a:t>
+            </a:r>
+          </a:p>
+          <a:p>
+            <a:pPr marL="1676461" lvl="1" indent="-457200" algn="just">
+              <a:lnSpc>
+                <a:spcPct val="110000"/>
+              </a:lnSpc>
+              <a:buFont typeface="Wingdings" charset="2"/>
+              <a:buChar char="§"/>
+            </a:pPr>
+            <a:r>
+              <a:rPr lang="en-US" sz="4400" dirty="0" smtClean="0">
+                <a:solidFill>
+                  <a:schemeClr val="tx1"/>
+                </a:solidFill>
+                <a:latin typeface="Tisa Offc"/>
+                <a:cs typeface="Tisa Offc"/>
+              </a:rPr>
+              <a:t>Random Horizontal Flip</a:t>
+            </a:r>
+          </a:p>
+          <a:p>
+            <a:pPr marL="1676461" lvl="1" indent="-457200" algn="just">
+              <a:lnSpc>
+                <a:spcPct val="110000"/>
+              </a:lnSpc>
+              <a:buFont typeface="Wingdings" charset="2"/>
+              <a:buChar char="§"/>
+            </a:pPr>
+            <a:r>
+              <a:rPr lang="en-US" sz="4400" dirty="0" smtClean="0">
+                <a:solidFill>
+                  <a:schemeClr val="tx1"/>
+                </a:solidFill>
+                <a:latin typeface="Tisa Offc"/>
+                <a:cs typeface="Tisa Offc"/>
+              </a:rPr>
+              <a:t>Random vertical Flip</a:t>
+            </a:r>
+          </a:p>
+          <a:p>
+            <a:pPr marL="1676461" lvl="1" indent="-457200" algn="just">
+              <a:lnSpc>
+                <a:spcPct val="110000"/>
+              </a:lnSpc>
+              <a:buFont typeface="Wingdings" charset="2"/>
+              <a:buChar char="§"/>
+            </a:pPr>
+            <a:r>
+              <a:rPr lang="en-US" sz="4400" dirty="0" smtClean="0">
+                <a:solidFill>
+                  <a:schemeClr val="tx1"/>
+                </a:solidFill>
+                <a:latin typeface="Tisa Offc"/>
+                <a:cs typeface="Tisa Offc"/>
+              </a:rPr>
+              <a:t>Random degree of rotation from 0</a:t>
+            </a:r>
+            <a:r>
+              <a:rPr lang="en-US" sz="4400" baseline="50000" dirty="0" smtClean="0">
+                <a:solidFill>
+                  <a:schemeClr val="tx1"/>
+                </a:solidFill>
+                <a:latin typeface="Tisa Offc"/>
+                <a:cs typeface="Tisa Offc"/>
+              </a:rPr>
+              <a:t>o</a:t>
+            </a:r>
+            <a:r>
+              <a:rPr lang="en-US" sz="4400" dirty="0" smtClean="0">
+                <a:solidFill>
+                  <a:schemeClr val="tx1"/>
+                </a:solidFill>
+                <a:latin typeface="Tisa Offc"/>
+                <a:cs typeface="Tisa Offc"/>
+              </a:rPr>
+              <a:t> to 180</a:t>
+            </a:r>
+            <a:r>
+              <a:rPr lang="en-US" sz="4400" baseline="50000" dirty="0" smtClean="0">
+                <a:solidFill>
+                  <a:schemeClr val="tx1"/>
+                </a:solidFill>
+                <a:latin typeface="Tisa Offc"/>
+                <a:cs typeface="Tisa Offc"/>
+              </a:rPr>
+              <a:t>o</a:t>
+            </a:r>
+            <a:r>
+              <a:rPr lang="en-US" sz="4400" dirty="0">
+                <a:solidFill>
+                  <a:schemeClr val="tx1"/>
+                </a:solidFill>
+                <a:latin typeface="Tisa Offc"/>
+                <a:cs typeface="Tisa Offc"/>
+              </a:rPr>
+              <a:t> </a:t>
+            </a:r>
+            <a:endParaRPr lang="en-US" sz="4400" dirty="0" smtClean="0">
+              <a:solidFill>
+                <a:schemeClr val="tx1"/>
+              </a:solidFill>
+              <a:latin typeface="Tisa Offc"/>
+              <a:cs typeface="Tisa Offc"/>
+            </a:endParaRPr>
+          </a:p>
+          <a:p>
+            <a:pPr marL="1676461" lvl="1" indent="-457200" algn="just">
+              <a:lnSpc>
+                <a:spcPct val="110000"/>
+              </a:lnSpc>
+              <a:buFont typeface="Wingdings" charset="2"/>
+              <a:buChar char="§"/>
+            </a:pPr>
+            <a:r>
+              <a:rPr lang="en-US" sz="4400" dirty="0" smtClean="0">
+                <a:solidFill>
+                  <a:schemeClr val="tx1"/>
+                </a:solidFill>
+                <a:latin typeface="Tisa Offc"/>
+                <a:cs typeface="Tisa Offc"/>
+              </a:rPr>
+              <a:t>Random height shift</a:t>
+            </a:r>
+          </a:p>
+          <a:p>
+            <a:pPr marL="1676461" lvl="1" indent="-457200" algn="just">
+              <a:lnSpc>
+                <a:spcPct val="110000"/>
+              </a:lnSpc>
+              <a:buFont typeface="Wingdings" charset="2"/>
+              <a:buChar char="§"/>
+            </a:pPr>
+            <a:r>
+              <a:rPr lang="en-US" sz="4400" dirty="0" smtClean="0">
+                <a:solidFill>
+                  <a:schemeClr val="tx1"/>
+                </a:solidFill>
+                <a:latin typeface="Tisa Offc"/>
+                <a:cs typeface="Tisa Offc"/>
+              </a:rPr>
+              <a:t>Random width shift</a:t>
+            </a:r>
+          </a:p>
+          <a:p>
+            <a:pPr marL="1676461" lvl="1" indent="-457200" algn="just">
+              <a:lnSpc>
+                <a:spcPct val="110000"/>
+              </a:lnSpc>
+              <a:buFont typeface="Wingdings" charset="2"/>
+              <a:buChar char="§"/>
+            </a:pPr>
+            <a:endParaRPr lang="en-US" sz="4400" dirty="0" smtClean="0">
               <a:solidFill>
                 <a:schemeClr val="tx1"/>
               </a:solidFill>
@@ -3981,7 +4171,7 @@
     </p:spTree>
     <p:extLst>
       <p:ext uri="{BB962C8B-B14F-4D97-AF65-F5344CB8AC3E}">
-        <p14:creationId xmlns:p14="http://schemas.microsoft.com/office/powerpoint/2010/main" val="1942053863"/>
+        <p14:creationId xmlns:p14="http://schemas.microsoft.com/office/powerpoint/2010/main" val="2268774444"/>
       </p:ext>
     </p:extLst>
   </p:cSld>
@@ -4008,47 +4198,9 @@
           <a:chExt cx="0" cy="0"/>
         </a:xfrm>
       </p:grpSpPr>
-      <p:sp>
-        <p:nvSpPr>
-          <p:cNvPr id="2" name="Title 1"/>
-          <p:cNvSpPr>
-            <a:spLocks noGrp="1"/>
-          </p:cNvSpPr>
-          <p:nvPr>
-            <p:ph type="ctrTitle"/>
-          </p:nvPr>
-        </p:nvSpPr>
-        <p:spPr/>
-        <p:txBody>
-          <a:bodyPr/>
-          <a:lstStyle/>
-          <a:p>
-            <a:endParaRPr lang="en-US"/>
-          </a:p>
-        </p:txBody>
-      </p:sp>
-      <p:sp>
-        <p:nvSpPr>
-          <p:cNvPr id="3" name="Subtitle 2"/>
-          <p:cNvSpPr>
-            <a:spLocks noGrp="1"/>
-          </p:cNvSpPr>
-          <p:nvPr>
-            <p:ph type="subTitle" idx="1"/>
-          </p:nvPr>
-        </p:nvSpPr>
-        <p:spPr/>
-        <p:txBody>
-          <a:bodyPr/>
-          <a:lstStyle/>
-          <a:p>
-            <a:endParaRPr lang="en-US"/>
-          </a:p>
-        </p:txBody>
-      </p:sp>
       <p:pic>
         <p:nvPicPr>
-          <p:cNvPr id="5" name="Picture 4" descr="Black BackPage NO1 16=9.jpg"/>
+          <p:cNvPr id="4" name="Picture 3" descr="Slide4-01.jpg"/>
           <p:cNvPicPr>
             <a:picLocks noChangeAspect="1"/>
           </p:cNvPicPr>
@@ -4068,8 +4220,8 @@
         </p:blipFill>
         <p:spPr>
           <a:xfrm>
-            <a:off x="-67744" y="-406400"/>
-            <a:ext cx="25290405" cy="14224000"/>
+            <a:off x="-18161" y="-12860"/>
+            <a:ext cx="24405336" cy="13728860"/>
           </a:xfrm>
           <a:prstGeom prst="rect">
             <a:avLst/>
@@ -4078,7 +4230,91 @@
       </p:pic>
       <p:sp>
         <p:nvSpPr>
-          <p:cNvPr id="16" name="Title 1"/>
+          <p:cNvPr id="2" name="Title 1"/>
+          <p:cNvSpPr>
+            <a:spLocks noGrp="1"/>
+          </p:cNvSpPr>
+          <p:nvPr>
+            <p:ph type="ctrTitle"/>
+          </p:nvPr>
+        </p:nvSpPr>
+        <p:spPr/>
+        <p:txBody>
+          <a:bodyPr/>
+          <a:lstStyle/>
+          <a:p>
+            <a:r>
+              <a:rPr lang="en-US" dirty="0"/>
+              <a:t>        </a:t>
+            </a:r>
+          </a:p>
+        </p:txBody>
+      </p:sp>
+      <p:sp>
+        <p:nvSpPr>
+          <p:cNvPr id="13" name="Subtitle 2"/>
+          <p:cNvSpPr>
+            <a:spLocks noGrp="1"/>
+          </p:cNvSpPr>
+          <p:nvPr>
+            <p:ph type="subTitle" idx="1"/>
+          </p:nvPr>
+        </p:nvSpPr>
+        <p:spPr>
+          <a:xfrm>
+            <a:off x="1001632" y="2337585"/>
+            <a:ext cx="22598045" cy="2074426"/>
+          </a:xfrm>
+        </p:spPr>
+        <p:txBody>
+          <a:bodyPr wrap="square">
+            <a:spAutoFit/>
+          </a:bodyPr>
+          <a:lstStyle/>
+          <a:p>
+            <a:pPr marL="457200" indent="-457200" algn="just">
+              <a:lnSpc>
+                <a:spcPct val="110000"/>
+              </a:lnSpc>
+              <a:buFont typeface="Wingdings" charset="2"/>
+              <a:buChar char="§"/>
+            </a:pPr>
+            <a:r>
+              <a:rPr lang="en-US" sz="5400" dirty="0" smtClean="0">
+                <a:solidFill>
+                  <a:schemeClr val="tx1"/>
+                </a:solidFill>
+                <a:latin typeface="Tisa Offc"/>
+                <a:cs typeface="Tisa Offc"/>
+              </a:rPr>
+              <a:t>Mods used: Random horizontal flip, 10</a:t>
+            </a:r>
+            <a:r>
+              <a:rPr lang="en-US" sz="5400" baseline="50000" dirty="0" smtClean="0">
+                <a:solidFill>
+                  <a:schemeClr val="tx1"/>
+                </a:solidFill>
+                <a:latin typeface="Tisa Offc"/>
+                <a:cs typeface="Tisa Offc"/>
+              </a:rPr>
+              <a:t>o</a:t>
+            </a:r>
+            <a:r>
+              <a:rPr lang="en-US" sz="5400" dirty="0" smtClean="0">
+                <a:solidFill>
+                  <a:schemeClr val="tx1"/>
+                </a:solidFill>
+                <a:latin typeface="Tisa Offc"/>
+                <a:cs typeface="Tisa Offc"/>
+              </a:rPr>
+              <a:t> rotation, 0.1 width and height shift range</a:t>
+            </a:r>
+          </a:p>
+        </p:txBody>
+      </p:sp>
+      <p:sp>
+        <p:nvSpPr>
+          <p:cNvPr id="14" name="Title 1"/>
           <p:cNvSpPr txBox="1">
             <a:spLocks/>
           </p:cNvSpPr>
@@ -4086,15 +4322,17 @@
         </p:nvSpPr>
         <p:spPr>
           <a:xfrm>
-            <a:off x="3627845" y="4066626"/>
-            <a:ext cx="17131486" cy="1508712"/>
+            <a:off x="1001632" y="706301"/>
+            <a:ext cx="20729099" cy="1133518"/>
           </a:xfrm>
           <a:prstGeom prst="rect">
             <a:avLst/>
           </a:prstGeom>
         </p:spPr>
         <p:txBody>
-          <a:bodyPr/>
+          <a:bodyPr vert="horz" lIns="217490" tIns="108745" rIns="217490" bIns="108745" rtlCol="0" anchor="ctr">
+            <a:noAutofit/>
+          </a:bodyPr>
           <a:lstStyle>
             <a:lvl1pPr algn="ctr" defTabSz="1087444" rtl="0" eaLnBrk="1" latinLnBrk="0" hangingPunct="1">
               <a:spcBef>
@@ -4112,22 +4350,40 @@
             </a:lvl1pPr>
           </a:lstStyle>
           <a:p>
-            <a:r>
-              <a:rPr lang="en-US" sz="8800" dirty="0">
-                <a:solidFill>
-                  <a:schemeClr val="bg1"/>
-                </a:solidFill>
-                <a:latin typeface="FuturaBT Book"/>
-                <a:cs typeface="FuturaBT Book"/>
+            <a:pPr algn="l"/>
+            <a:r>
+              <a:rPr lang="en-US" sz="8800" b="1" dirty="0">
+                <a:solidFill>
+                  <a:schemeClr val="tx1"/>
+                </a:solidFill>
+                <a:latin typeface="Arial"/>
+                <a:cs typeface="Arial"/>
               </a:rPr>
-              <a:t>Discussion and Future Work</a:t>
-            </a:r>
+              <a:t>Results and </a:t>
+            </a:r>
+            <a:r>
+              <a:rPr lang="en-US" sz="8800" b="1" dirty="0" smtClean="0">
+                <a:solidFill>
+                  <a:schemeClr val="tx1"/>
+                </a:solidFill>
+                <a:latin typeface="Arial"/>
+                <a:cs typeface="Arial"/>
+              </a:rPr>
+              <a:t>Analysis-Base</a:t>
+            </a:r>
+            <a:endParaRPr lang="en-US" sz="8800" b="1" dirty="0">
+              <a:solidFill>
+                <a:schemeClr val="tx1"/>
+              </a:solidFill>
+              <a:latin typeface="Arial"/>
+              <a:cs typeface="Arial"/>
+            </a:endParaRPr>
           </a:p>
         </p:txBody>
       </p:sp>
       <p:pic>
         <p:nvPicPr>
-          <p:cNvPr id="8" name="Picture 7" descr="CSULA Logo Hero Horizontal Color-Reversed.png"/>
+          <p:cNvPr id="6" name="Picture 5"/>
           <p:cNvPicPr>
             <a:picLocks noChangeAspect="1"/>
           </p:cNvPicPr>
@@ -4147,8 +4403,8 @@
         </p:blipFill>
         <p:spPr>
           <a:xfrm>
-            <a:off x="15662772" y="10545584"/>
-            <a:ext cx="9030695" cy="2444726"/>
+            <a:off x="4555715" y="4614863"/>
+            <a:ext cx="13657392" cy="6513212"/>
           </a:xfrm>
           <a:prstGeom prst="rect">
             <a:avLst/>
@@ -4158,7 +4414,7 @@
     </p:spTree>
     <p:extLst>
       <p:ext uri="{BB962C8B-B14F-4D97-AF65-F5344CB8AC3E}">
-        <p14:creationId xmlns:p14="http://schemas.microsoft.com/office/powerpoint/2010/main" val="2916398997"/>
+        <p14:creationId xmlns:p14="http://schemas.microsoft.com/office/powerpoint/2010/main" val="1942053863"/>
       </p:ext>
     </p:extLst>
   </p:cSld>
@@ -4207,7 +4463,7 @@
         </p:blipFill>
         <p:spPr>
           <a:xfrm>
-            <a:off x="-18161" y="-12860"/>
+            <a:off x="-173436" y="125163"/>
             <a:ext cx="24405336" cy="13728860"/>
           </a:xfrm>
           <a:prstGeom prst="rect">
@@ -4234,84 +4490,6 @@
               <a:rPr lang="en-US" dirty="0"/>
               <a:t>        </a:t>
             </a:r>
-          </a:p>
-        </p:txBody>
-      </p:sp>
-      <p:sp>
-        <p:nvSpPr>
-          <p:cNvPr id="13" name="Subtitle 2"/>
-          <p:cNvSpPr>
-            <a:spLocks noGrp="1"/>
-          </p:cNvSpPr>
-          <p:nvPr>
-            <p:ph type="subTitle" idx="1"/>
-          </p:nvPr>
-        </p:nvSpPr>
-        <p:spPr>
-          <a:xfrm>
-            <a:off x="973743" y="3234400"/>
-            <a:ext cx="22598045" cy="2194908"/>
-          </a:xfrm>
-        </p:spPr>
-        <p:txBody>
-          <a:bodyPr wrap="square">
-            <a:spAutoFit/>
-          </a:bodyPr>
-          <a:lstStyle/>
-          <a:p>
-            <a:pPr marL="457200" indent="-457200" algn="just">
-              <a:lnSpc>
-                <a:spcPct val="110000"/>
-              </a:lnSpc>
-              <a:buFont typeface="Wingdings" charset="2"/>
-              <a:buChar char="§"/>
-            </a:pPr>
-            <a:r>
-              <a:rPr lang="en-US" sz="5400" dirty="0">
-                <a:solidFill>
-                  <a:schemeClr val="tx1"/>
-                </a:solidFill>
-                <a:latin typeface="Tisa Offc"/>
-                <a:cs typeface="Tisa Offc"/>
-              </a:rPr>
-              <a:t>Apply same methodology to help identify blood diseases </a:t>
-            </a:r>
-            <a:r>
-              <a:rPr lang="en-US" sz="5400" dirty="0" err="1">
-                <a:solidFill>
-                  <a:schemeClr val="tx1"/>
-                </a:solidFill>
-                <a:latin typeface="Tisa Offc"/>
-                <a:cs typeface="Tisa Offc"/>
-              </a:rPr>
-              <a:t>etc</a:t>
-            </a:r>
-            <a:r>
-              <a:rPr lang="en-US" sz="5400" dirty="0">
-                <a:solidFill>
-                  <a:schemeClr val="tx1"/>
-                </a:solidFill>
-                <a:latin typeface="Tisa Offc"/>
-                <a:cs typeface="Tisa Offc"/>
-              </a:rPr>
-              <a:t>…</a:t>
-            </a:r>
-          </a:p>
-          <a:p>
-            <a:pPr marL="457200" indent="-457200" algn="just">
-              <a:lnSpc>
-                <a:spcPct val="110000"/>
-              </a:lnSpc>
-              <a:buFont typeface="Wingdings" charset="2"/>
-              <a:buChar char="§"/>
-            </a:pPr>
-            <a:endParaRPr lang="en-US" sz="5400" dirty="0">
-              <a:solidFill>
-                <a:schemeClr val="tx1"/>
-              </a:solidFill>
-              <a:latin typeface="Tisa Offc"/>
-              <a:cs typeface="Tisa Offc"/>
-            </a:endParaRPr>
           </a:p>
         </p:txBody>
       </p:sp>
@@ -4362,15 +4540,1197 @@
                 <a:latin typeface="Arial"/>
                 <a:cs typeface="Arial"/>
               </a:rPr>
-              <a:t>Discussion and Future Work</a:t>
-            </a:r>
-          </a:p>
-        </p:txBody>
-      </p:sp>
+              <a:t>Results and </a:t>
+            </a:r>
+            <a:r>
+              <a:rPr lang="en-US" sz="8800" b="1" dirty="0" smtClean="0">
+                <a:solidFill>
+                  <a:schemeClr val="tx1"/>
+                </a:solidFill>
+                <a:latin typeface="Arial"/>
+                <a:cs typeface="Arial"/>
+              </a:rPr>
+              <a:t>Analysis-Base</a:t>
+            </a:r>
+            <a:endParaRPr lang="en-US" sz="8800" b="1" dirty="0">
+              <a:solidFill>
+                <a:schemeClr val="tx1"/>
+              </a:solidFill>
+              <a:latin typeface="Arial"/>
+              <a:cs typeface="Arial"/>
+            </a:endParaRPr>
+          </a:p>
+        </p:txBody>
+      </p:sp>
+      <p:pic>
+        <p:nvPicPr>
+          <p:cNvPr id="3" name="Picture 2"/>
+          <p:cNvPicPr>
+            <a:picLocks noChangeAspect="1"/>
+          </p:cNvPicPr>
+          <p:nvPr/>
+        </p:nvPicPr>
+        <p:blipFill>
+          <a:blip r:embed="rId3">
+            <a:extLst>
+              <a:ext uri="{28A0092B-C50C-407E-A947-70E740481C1C}">
+                <a14:useLocalDpi xmlns:a14="http://schemas.microsoft.com/office/drawing/2010/main" val="0"/>
+              </a:ext>
+            </a:extLst>
+          </a:blip>
+          <a:stretch>
+            <a:fillRect/>
+          </a:stretch>
+        </p:blipFill>
+        <p:spPr>
+          <a:xfrm>
+            <a:off x="1001632" y="2151574"/>
+            <a:ext cx="8695426" cy="8608645"/>
+          </a:xfrm>
+          <a:prstGeom prst="rect">
+            <a:avLst/>
+          </a:prstGeom>
+        </p:spPr>
+      </p:pic>
+      <p:pic>
+        <p:nvPicPr>
+          <p:cNvPr id="5" name="Picture 4"/>
+          <p:cNvPicPr>
+            <a:picLocks noChangeAspect="1"/>
+          </p:cNvPicPr>
+          <p:nvPr/>
+        </p:nvPicPr>
+        <p:blipFill>
+          <a:blip r:embed="rId4">
+            <a:extLst>
+              <a:ext uri="{28A0092B-C50C-407E-A947-70E740481C1C}">
+                <a14:useLocalDpi xmlns:a14="http://schemas.microsoft.com/office/drawing/2010/main" val="0"/>
+              </a:ext>
+            </a:extLst>
+          </a:blip>
+          <a:stretch>
+            <a:fillRect/>
+          </a:stretch>
+        </p:blipFill>
+        <p:spPr>
+          <a:xfrm>
+            <a:off x="12706333" y="2151574"/>
+            <a:ext cx="8690781" cy="8382932"/>
+          </a:xfrm>
+          <a:prstGeom prst="rect">
+            <a:avLst/>
+          </a:prstGeom>
+        </p:spPr>
+      </p:pic>
     </p:spTree>
     <p:extLst>
       <p:ext uri="{BB962C8B-B14F-4D97-AF65-F5344CB8AC3E}">
-        <p14:creationId xmlns:p14="http://schemas.microsoft.com/office/powerpoint/2010/main" val="3885906403"/>
+        <p14:creationId xmlns:p14="http://schemas.microsoft.com/office/powerpoint/2010/main" val="3225728499"/>
+      </p:ext>
+    </p:extLst>
+  </p:cSld>
+  <p:clrMapOvr>
+    <a:masterClrMapping/>
+  </p:clrMapOvr>
+</p:sld>
+</file>
+
+<file path=ppt/slides/slide15.xml><?xml version="1.0" encoding="utf-8"?>
+<p:sld xmlns:a="http://schemas.openxmlformats.org/drawingml/2006/main" xmlns:r="http://schemas.openxmlformats.org/officeDocument/2006/relationships" xmlns:p="http://schemas.openxmlformats.org/presentationml/2006/main">
+  <p:cSld>
+    <p:spTree>
+      <p:nvGrpSpPr>
+        <p:cNvPr id="1" name=""/>
+        <p:cNvGrpSpPr/>
+        <p:nvPr/>
+      </p:nvGrpSpPr>
+      <p:grpSpPr>
+        <a:xfrm>
+          <a:off x="0" y="0"/>
+          <a:ext cx="0" cy="0"/>
+          <a:chOff x="0" y="0"/>
+          <a:chExt cx="0" cy="0"/>
+        </a:xfrm>
+      </p:grpSpPr>
+      <p:pic>
+        <p:nvPicPr>
+          <p:cNvPr id="4" name="Picture 3" descr="Slide4-01.jpg"/>
+          <p:cNvPicPr>
+            <a:picLocks noChangeAspect="1"/>
+          </p:cNvPicPr>
+          <p:nvPr/>
+        </p:nvPicPr>
+        <p:blipFill>
+          <a:blip r:embed="rId2">
+            <a:extLst>
+              <a:ext uri="{28A0092B-C50C-407E-A947-70E740481C1C}">
+                <a14:useLocalDpi xmlns:a14="http://schemas.microsoft.com/office/drawing/2010/main" val="0"/>
+              </a:ext>
+            </a:extLst>
+          </a:blip>
+          <a:stretch>
+            <a:fillRect/>
+          </a:stretch>
+        </p:blipFill>
+        <p:spPr>
+          <a:xfrm>
+            <a:off x="-18161" y="-12860"/>
+            <a:ext cx="24405336" cy="13728860"/>
+          </a:xfrm>
+          <a:prstGeom prst="rect">
+            <a:avLst/>
+          </a:prstGeom>
+        </p:spPr>
+      </p:pic>
+      <p:sp>
+        <p:nvSpPr>
+          <p:cNvPr id="2" name="Title 1"/>
+          <p:cNvSpPr>
+            <a:spLocks noGrp="1"/>
+          </p:cNvSpPr>
+          <p:nvPr>
+            <p:ph type="ctrTitle"/>
+          </p:nvPr>
+        </p:nvSpPr>
+        <p:spPr/>
+        <p:txBody>
+          <a:bodyPr/>
+          <a:lstStyle/>
+          <a:p>
+            <a:r>
+              <a:rPr lang="en-US" dirty="0"/>
+              <a:t>        </a:t>
+            </a:r>
+          </a:p>
+        </p:txBody>
+      </p:sp>
+      <p:sp>
+        <p:nvSpPr>
+          <p:cNvPr id="14" name="Title 1"/>
+          <p:cNvSpPr txBox="1">
+            <a:spLocks/>
+          </p:cNvSpPr>
+          <p:nvPr/>
+        </p:nvSpPr>
+        <p:spPr>
+          <a:xfrm>
+            <a:off x="1001632" y="706301"/>
+            <a:ext cx="20729099" cy="1133518"/>
+          </a:xfrm>
+          <a:prstGeom prst="rect">
+            <a:avLst/>
+          </a:prstGeom>
+        </p:spPr>
+        <p:txBody>
+          <a:bodyPr vert="horz" lIns="217490" tIns="108745" rIns="217490" bIns="108745" rtlCol="0" anchor="ctr">
+            <a:noAutofit/>
+          </a:bodyPr>
+          <a:lstStyle>
+            <a:lvl1pPr algn="ctr" defTabSz="1087444" rtl="0" eaLnBrk="1" latinLnBrk="0" hangingPunct="1">
+              <a:spcBef>
+                <a:spcPct val="0"/>
+              </a:spcBef>
+              <a:buNone/>
+              <a:defRPr sz="6000" kern="1200">
+                <a:solidFill>
+                  <a:schemeClr val="bg2"/>
+                </a:solidFill>
+                <a:latin typeface="Futura Bk BT Book"/>
+                <a:ea typeface="+mj-ea"/>
+                <a:cs typeface="Open Sans"/>
+              </a:defRPr>
+            </a:lvl1pPr>
+          </a:lstStyle>
+          <a:p>
+            <a:pPr algn="l"/>
+            <a:r>
+              <a:rPr lang="en-US" sz="8800" b="1" dirty="0">
+                <a:solidFill>
+                  <a:schemeClr val="tx1"/>
+                </a:solidFill>
+                <a:latin typeface="Arial"/>
+                <a:cs typeface="Arial"/>
+              </a:rPr>
+              <a:t>Results and </a:t>
+            </a:r>
+            <a:r>
+              <a:rPr lang="en-US" sz="8800" b="1" dirty="0" smtClean="0">
+                <a:solidFill>
+                  <a:schemeClr val="tx1"/>
+                </a:solidFill>
+                <a:latin typeface="Arial"/>
+                <a:cs typeface="Arial"/>
+              </a:rPr>
+              <a:t>Analysis-Alpha</a:t>
+            </a:r>
+            <a:endParaRPr lang="en-US" sz="8800" b="1" dirty="0">
+              <a:solidFill>
+                <a:schemeClr val="tx1"/>
+              </a:solidFill>
+              <a:latin typeface="Arial"/>
+              <a:cs typeface="Arial"/>
+            </a:endParaRPr>
+          </a:p>
+        </p:txBody>
+      </p:sp>
+      <p:sp>
+        <p:nvSpPr>
+          <p:cNvPr id="7" name="Subtitle 2"/>
+          <p:cNvSpPr>
+            <a:spLocks noGrp="1"/>
+          </p:cNvSpPr>
+          <p:nvPr>
+            <p:ph type="subTitle" idx="1"/>
+          </p:nvPr>
+        </p:nvSpPr>
+        <p:spPr>
+          <a:xfrm>
+            <a:off x="1001632" y="2337585"/>
+            <a:ext cx="22598045" cy="2074426"/>
+          </a:xfrm>
+        </p:spPr>
+        <p:txBody>
+          <a:bodyPr wrap="square">
+            <a:spAutoFit/>
+          </a:bodyPr>
+          <a:lstStyle/>
+          <a:p>
+            <a:pPr marL="457200" indent="-457200" algn="just">
+              <a:lnSpc>
+                <a:spcPct val="110000"/>
+              </a:lnSpc>
+              <a:buFont typeface="Wingdings" charset="2"/>
+              <a:buChar char="§"/>
+            </a:pPr>
+            <a:r>
+              <a:rPr lang="en-US" sz="5400" dirty="0" smtClean="0">
+                <a:solidFill>
+                  <a:schemeClr val="tx1"/>
+                </a:solidFill>
+                <a:latin typeface="Tisa Offc"/>
+                <a:cs typeface="Tisa Offc"/>
+              </a:rPr>
+              <a:t>Mods used: Random horizontal flip, random vertical flip, </a:t>
+            </a:r>
+            <a:r>
+              <a:rPr lang="en-US" sz="5400" dirty="0">
+                <a:solidFill>
+                  <a:schemeClr val="tx1"/>
+                </a:solidFill>
+                <a:latin typeface="Tisa Offc"/>
+                <a:cs typeface="Tisa Offc"/>
+              </a:rPr>
+              <a:t>7</a:t>
+            </a:r>
+            <a:r>
+              <a:rPr lang="en-US" sz="5400" dirty="0" smtClean="0">
+                <a:solidFill>
+                  <a:schemeClr val="tx1"/>
+                </a:solidFill>
+                <a:latin typeface="Tisa Offc"/>
+                <a:cs typeface="Tisa Offc"/>
+              </a:rPr>
+              <a:t>0</a:t>
+            </a:r>
+            <a:r>
+              <a:rPr lang="en-US" sz="5400" baseline="50000" dirty="0" smtClean="0">
+                <a:solidFill>
+                  <a:schemeClr val="tx1"/>
+                </a:solidFill>
+                <a:latin typeface="Tisa Offc"/>
+                <a:cs typeface="Tisa Offc"/>
+              </a:rPr>
+              <a:t>o</a:t>
+            </a:r>
+            <a:r>
+              <a:rPr lang="en-US" sz="5400" dirty="0" smtClean="0">
+                <a:solidFill>
+                  <a:schemeClr val="tx1"/>
+                </a:solidFill>
+                <a:latin typeface="Tisa Offc"/>
+                <a:cs typeface="Tisa Offc"/>
+              </a:rPr>
+              <a:t> rotation, 0.1 width and height shift range</a:t>
+            </a:r>
+          </a:p>
+        </p:txBody>
+      </p:sp>
+      <p:pic>
+        <p:nvPicPr>
+          <p:cNvPr id="5" name="Picture 4"/>
+          <p:cNvPicPr>
+            <a:picLocks noChangeAspect="1"/>
+          </p:cNvPicPr>
+          <p:nvPr/>
+        </p:nvPicPr>
+        <p:blipFill>
+          <a:blip r:embed="rId3"/>
+          <a:stretch>
+            <a:fillRect/>
+          </a:stretch>
+        </p:blipFill>
+        <p:spPr>
+          <a:xfrm>
+            <a:off x="4587401" y="4461903"/>
+            <a:ext cx="12804957" cy="6415309"/>
+          </a:xfrm>
+          <a:prstGeom prst="rect">
+            <a:avLst/>
+          </a:prstGeom>
+        </p:spPr>
+      </p:pic>
+    </p:spTree>
+    <p:extLst>
+      <p:ext uri="{BB962C8B-B14F-4D97-AF65-F5344CB8AC3E}">
+        <p14:creationId xmlns:p14="http://schemas.microsoft.com/office/powerpoint/2010/main" val="3323888630"/>
+      </p:ext>
+    </p:extLst>
+  </p:cSld>
+  <p:clrMapOvr>
+    <a:masterClrMapping/>
+  </p:clrMapOvr>
+</p:sld>
+</file>
+
+<file path=ppt/slides/slide16.xml><?xml version="1.0" encoding="utf-8"?>
+<p:sld xmlns:a="http://schemas.openxmlformats.org/drawingml/2006/main" xmlns:r="http://schemas.openxmlformats.org/officeDocument/2006/relationships" xmlns:p="http://schemas.openxmlformats.org/presentationml/2006/main">
+  <p:cSld>
+    <p:spTree>
+      <p:nvGrpSpPr>
+        <p:cNvPr id="1" name=""/>
+        <p:cNvGrpSpPr/>
+        <p:nvPr/>
+      </p:nvGrpSpPr>
+      <p:grpSpPr>
+        <a:xfrm>
+          <a:off x="0" y="0"/>
+          <a:ext cx="0" cy="0"/>
+          <a:chOff x="0" y="0"/>
+          <a:chExt cx="0" cy="0"/>
+        </a:xfrm>
+      </p:grpSpPr>
+      <p:pic>
+        <p:nvPicPr>
+          <p:cNvPr id="4" name="Picture 3" descr="Slide4-01.jpg"/>
+          <p:cNvPicPr>
+            <a:picLocks noChangeAspect="1"/>
+          </p:cNvPicPr>
+          <p:nvPr/>
+        </p:nvPicPr>
+        <p:blipFill>
+          <a:blip r:embed="rId2">
+            <a:extLst>
+              <a:ext uri="{28A0092B-C50C-407E-A947-70E740481C1C}">
+                <a14:useLocalDpi xmlns:a14="http://schemas.microsoft.com/office/drawing/2010/main" val="0"/>
+              </a:ext>
+            </a:extLst>
+          </a:blip>
+          <a:stretch>
+            <a:fillRect/>
+          </a:stretch>
+        </p:blipFill>
+        <p:spPr>
+          <a:xfrm>
+            <a:off x="-18161" y="-12860"/>
+            <a:ext cx="24405336" cy="13728860"/>
+          </a:xfrm>
+          <a:prstGeom prst="rect">
+            <a:avLst/>
+          </a:prstGeom>
+        </p:spPr>
+      </p:pic>
+      <p:sp>
+        <p:nvSpPr>
+          <p:cNvPr id="2" name="Title 1"/>
+          <p:cNvSpPr>
+            <a:spLocks noGrp="1"/>
+          </p:cNvSpPr>
+          <p:nvPr>
+            <p:ph type="ctrTitle"/>
+          </p:nvPr>
+        </p:nvSpPr>
+        <p:spPr/>
+        <p:txBody>
+          <a:bodyPr/>
+          <a:lstStyle/>
+          <a:p>
+            <a:r>
+              <a:rPr lang="en-US" dirty="0"/>
+              <a:t>        </a:t>
+            </a:r>
+          </a:p>
+        </p:txBody>
+      </p:sp>
+      <p:sp>
+        <p:nvSpPr>
+          <p:cNvPr id="14" name="Title 1"/>
+          <p:cNvSpPr txBox="1">
+            <a:spLocks/>
+          </p:cNvSpPr>
+          <p:nvPr/>
+        </p:nvSpPr>
+        <p:spPr>
+          <a:xfrm>
+            <a:off x="1001632" y="706301"/>
+            <a:ext cx="20729099" cy="1133518"/>
+          </a:xfrm>
+          <a:prstGeom prst="rect">
+            <a:avLst/>
+          </a:prstGeom>
+        </p:spPr>
+        <p:txBody>
+          <a:bodyPr vert="horz" lIns="217490" tIns="108745" rIns="217490" bIns="108745" rtlCol="0" anchor="ctr">
+            <a:noAutofit/>
+          </a:bodyPr>
+          <a:lstStyle>
+            <a:lvl1pPr algn="ctr" defTabSz="1087444" rtl="0" eaLnBrk="1" latinLnBrk="0" hangingPunct="1">
+              <a:spcBef>
+                <a:spcPct val="0"/>
+              </a:spcBef>
+              <a:buNone/>
+              <a:defRPr sz="6000" kern="1200">
+                <a:solidFill>
+                  <a:schemeClr val="bg2"/>
+                </a:solidFill>
+                <a:latin typeface="Futura Bk BT Book"/>
+                <a:ea typeface="+mj-ea"/>
+                <a:cs typeface="Open Sans"/>
+              </a:defRPr>
+            </a:lvl1pPr>
+          </a:lstStyle>
+          <a:p>
+            <a:pPr algn="l"/>
+            <a:r>
+              <a:rPr lang="en-US" sz="8800" b="1" dirty="0">
+                <a:solidFill>
+                  <a:schemeClr val="tx1"/>
+                </a:solidFill>
+                <a:latin typeface="Arial"/>
+                <a:cs typeface="Arial"/>
+              </a:rPr>
+              <a:t>Results and </a:t>
+            </a:r>
+            <a:r>
+              <a:rPr lang="en-US" sz="8800" b="1" dirty="0" smtClean="0">
+                <a:solidFill>
+                  <a:schemeClr val="tx1"/>
+                </a:solidFill>
+                <a:latin typeface="Arial"/>
+                <a:cs typeface="Arial"/>
+              </a:rPr>
+              <a:t>Analysis-Alpha</a:t>
+            </a:r>
+            <a:endParaRPr lang="en-US" sz="8800" b="1" dirty="0">
+              <a:solidFill>
+                <a:schemeClr val="tx1"/>
+              </a:solidFill>
+              <a:latin typeface="Arial"/>
+              <a:cs typeface="Arial"/>
+            </a:endParaRPr>
+          </a:p>
+        </p:txBody>
+      </p:sp>
+      <p:pic>
+        <p:nvPicPr>
+          <p:cNvPr id="5" name="Picture 4"/>
+          <p:cNvPicPr>
+            <a:picLocks noChangeAspect="1"/>
+          </p:cNvPicPr>
+          <p:nvPr/>
+        </p:nvPicPr>
+        <p:blipFill>
+          <a:blip r:embed="rId3"/>
+          <a:stretch>
+            <a:fillRect/>
+          </a:stretch>
+        </p:blipFill>
+        <p:spPr>
+          <a:xfrm>
+            <a:off x="1829037" y="2558980"/>
+            <a:ext cx="7934247" cy="7855063"/>
+          </a:xfrm>
+          <a:prstGeom prst="rect">
+            <a:avLst/>
+          </a:prstGeom>
+        </p:spPr>
+      </p:pic>
+      <p:pic>
+        <p:nvPicPr>
+          <p:cNvPr id="6" name="Picture 5"/>
+          <p:cNvPicPr>
+            <a:picLocks noChangeAspect="1"/>
+          </p:cNvPicPr>
+          <p:nvPr/>
+        </p:nvPicPr>
+        <p:blipFill>
+          <a:blip r:embed="rId4"/>
+          <a:stretch>
+            <a:fillRect/>
+          </a:stretch>
+        </p:blipFill>
+        <p:spPr>
+          <a:xfrm>
+            <a:off x="12792134" y="2666087"/>
+            <a:ext cx="8204560" cy="7913935"/>
+          </a:xfrm>
+          <a:prstGeom prst="rect">
+            <a:avLst/>
+          </a:prstGeom>
+        </p:spPr>
+      </p:pic>
+    </p:spTree>
+    <p:extLst>
+      <p:ext uri="{BB962C8B-B14F-4D97-AF65-F5344CB8AC3E}">
+        <p14:creationId xmlns:p14="http://schemas.microsoft.com/office/powerpoint/2010/main" val="2381294200"/>
+      </p:ext>
+    </p:extLst>
+  </p:cSld>
+  <p:clrMapOvr>
+    <a:masterClrMapping/>
+  </p:clrMapOvr>
+</p:sld>
+</file>
+
+<file path=ppt/slides/slide17.xml><?xml version="1.0" encoding="utf-8"?>
+<p:sld xmlns:a="http://schemas.openxmlformats.org/drawingml/2006/main" xmlns:r="http://schemas.openxmlformats.org/officeDocument/2006/relationships" xmlns:p="http://schemas.openxmlformats.org/presentationml/2006/main">
+  <p:cSld>
+    <p:spTree>
+      <p:nvGrpSpPr>
+        <p:cNvPr id="1" name=""/>
+        <p:cNvGrpSpPr/>
+        <p:nvPr/>
+      </p:nvGrpSpPr>
+      <p:grpSpPr>
+        <a:xfrm>
+          <a:off x="0" y="0"/>
+          <a:ext cx="0" cy="0"/>
+          <a:chOff x="0" y="0"/>
+          <a:chExt cx="0" cy="0"/>
+        </a:xfrm>
+      </p:grpSpPr>
+      <p:pic>
+        <p:nvPicPr>
+          <p:cNvPr id="4" name="Picture 3" descr="Slide4-01.jpg"/>
+          <p:cNvPicPr>
+            <a:picLocks noChangeAspect="1"/>
+          </p:cNvPicPr>
+          <p:nvPr/>
+        </p:nvPicPr>
+        <p:blipFill>
+          <a:blip r:embed="rId2">
+            <a:extLst>
+              <a:ext uri="{28A0092B-C50C-407E-A947-70E740481C1C}">
+                <a14:useLocalDpi xmlns:a14="http://schemas.microsoft.com/office/drawing/2010/main" val="0"/>
+              </a:ext>
+            </a:extLst>
+          </a:blip>
+          <a:stretch>
+            <a:fillRect/>
+          </a:stretch>
+        </p:blipFill>
+        <p:spPr>
+          <a:xfrm>
+            <a:off x="-18161" y="-12860"/>
+            <a:ext cx="24405336" cy="13728860"/>
+          </a:xfrm>
+          <a:prstGeom prst="rect">
+            <a:avLst/>
+          </a:prstGeom>
+        </p:spPr>
+      </p:pic>
+      <p:sp>
+        <p:nvSpPr>
+          <p:cNvPr id="2" name="Title 1"/>
+          <p:cNvSpPr>
+            <a:spLocks noGrp="1"/>
+          </p:cNvSpPr>
+          <p:nvPr>
+            <p:ph type="ctrTitle"/>
+          </p:nvPr>
+        </p:nvSpPr>
+        <p:spPr/>
+        <p:txBody>
+          <a:bodyPr/>
+          <a:lstStyle/>
+          <a:p>
+            <a:r>
+              <a:rPr lang="en-US" dirty="0"/>
+              <a:t>        </a:t>
+            </a:r>
+          </a:p>
+        </p:txBody>
+      </p:sp>
+      <p:sp>
+        <p:nvSpPr>
+          <p:cNvPr id="14" name="Title 1"/>
+          <p:cNvSpPr txBox="1">
+            <a:spLocks/>
+          </p:cNvSpPr>
+          <p:nvPr/>
+        </p:nvSpPr>
+        <p:spPr>
+          <a:xfrm>
+            <a:off x="1001632" y="706301"/>
+            <a:ext cx="20729099" cy="1133518"/>
+          </a:xfrm>
+          <a:prstGeom prst="rect">
+            <a:avLst/>
+          </a:prstGeom>
+        </p:spPr>
+        <p:txBody>
+          <a:bodyPr vert="horz" lIns="217490" tIns="108745" rIns="217490" bIns="108745" rtlCol="0" anchor="ctr">
+            <a:noAutofit/>
+          </a:bodyPr>
+          <a:lstStyle>
+            <a:lvl1pPr algn="ctr" defTabSz="1087444" rtl="0" eaLnBrk="1" latinLnBrk="0" hangingPunct="1">
+              <a:spcBef>
+                <a:spcPct val="0"/>
+              </a:spcBef>
+              <a:buNone/>
+              <a:defRPr sz="6000" kern="1200">
+                <a:solidFill>
+                  <a:schemeClr val="bg2"/>
+                </a:solidFill>
+                <a:latin typeface="Futura Bk BT Book"/>
+                <a:ea typeface="+mj-ea"/>
+                <a:cs typeface="Open Sans"/>
+              </a:defRPr>
+            </a:lvl1pPr>
+          </a:lstStyle>
+          <a:p>
+            <a:pPr algn="l"/>
+            <a:r>
+              <a:rPr lang="en-US" sz="8800" b="1" dirty="0">
+                <a:solidFill>
+                  <a:schemeClr val="tx1"/>
+                </a:solidFill>
+                <a:latin typeface="Arial"/>
+                <a:cs typeface="Arial"/>
+              </a:rPr>
+              <a:t>Results and </a:t>
+            </a:r>
+            <a:r>
+              <a:rPr lang="en-US" sz="8800" b="1" dirty="0" smtClean="0">
+                <a:solidFill>
+                  <a:schemeClr val="tx1"/>
+                </a:solidFill>
+                <a:latin typeface="Arial"/>
+                <a:cs typeface="Arial"/>
+              </a:rPr>
+              <a:t>Analysis-Beta</a:t>
+            </a:r>
+            <a:endParaRPr lang="en-US" sz="8800" b="1" dirty="0">
+              <a:solidFill>
+                <a:schemeClr val="tx1"/>
+              </a:solidFill>
+              <a:latin typeface="Arial"/>
+              <a:cs typeface="Arial"/>
+            </a:endParaRPr>
+          </a:p>
+        </p:txBody>
+      </p:sp>
+      <p:sp>
+        <p:nvSpPr>
+          <p:cNvPr id="6" name="Subtitle 2"/>
+          <p:cNvSpPr>
+            <a:spLocks noGrp="1"/>
+          </p:cNvSpPr>
+          <p:nvPr>
+            <p:ph type="subTitle" idx="1"/>
+          </p:nvPr>
+        </p:nvSpPr>
+        <p:spPr>
+          <a:xfrm>
+            <a:off x="1001632" y="2021577"/>
+            <a:ext cx="22598045" cy="2074426"/>
+          </a:xfrm>
+        </p:spPr>
+        <p:txBody>
+          <a:bodyPr wrap="square">
+            <a:spAutoFit/>
+          </a:bodyPr>
+          <a:lstStyle/>
+          <a:p>
+            <a:pPr marL="457200" indent="-457200" algn="just">
+              <a:lnSpc>
+                <a:spcPct val="110000"/>
+              </a:lnSpc>
+              <a:buFont typeface="Wingdings" charset="2"/>
+              <a:buChar char="§"/>
+            </a:pPr>
+            <a:r>
+              <a:rPr lang="en-US" sz="5400" dirty="0" smtClean="0">
+                <a:solidFill>
+                  <a:schemeClr val="tx1"/>
+                </a:solidFill>
+                <a:latin typeface="Tisa Offc"/>
+                <a:cs typeface="Tisa Offc"/>
+              </a:rPr>
+              <a:t>Mods used: Random horizontal flip, random vertical flip, </a:t>
+            </a:r>
+            <a:r>
+              <a:rPr lang="en-US" sz="5400" dirty="0">
+                <a:solidFill>
+                  <a:schemeClr val="tx1"/>
+                </a:solidFill>
+                <a:latin typeface="Tisa Offc"/>
+                <a:cs typeface="Tisa Offc"/>
+              </a:rPr>
+              <a:t>7</a:t>
+            </a:r>
+            <a:r>
+              <a:rPr lang="en-US" sz="5400" dirty="0" smtClean="0">
+                <a:solidFill>
+                  <a:schemeClr val="tx1"/>
+                </a:solidFill>
+                <a:latin typeface="Tisa Offc"/>
+                <a:cs typeface="Tisa Offc"/>
+              </a:rPr>
+              <a:t>0</a:t>
+            </a:r>
+            <a:r>
+              <a:rPr lang="en-US" sz="5400" baseline="50000" dirty="0" smtClean="0">
+                <a:solidFill>
+                  <a:schemeClr val="tx1"/>
+                </a:solidFill>
+                <a:latin typeface="Tisa Offc"/>
+                <a:cs typeface="Tisa Offc"/>
+              </a:rPr>
+              <a:t>o</a:t>
+            </a:r>
+            <a:r>
+              <a:rPr lang="en-US" sz="5400" dirty="0" smtClean="0">
+                <a:solidFill>
+                  <a:schemeClr val="tx1"/>
+                </a:solidFill>
+                <a:latin typeface="Tisa Offc"/>
+                <a:cs typeface="Tisa Offc"/>
+              </a:rPr>
+              <a:t> rotation, 0.5 width and height shift range</a:t>
+            </a:r>
+          </a:p>
+        </p:txBody>
+      </p:sp>
+      <p:pic>
+        <p:nvPicPr>
+          <p:cNvPr id="3" name="Picture 2"/>
+          <p:cNvPicPr>
+            <a:picLocks noChangeAspect="1"/>
+          </p:cNvPicPr>
+          <p:nvPr/>
+        </p:nvPicPr>
+        <p:blipFill>
+          <a:blip r:embed="rId3"/>
+          <a:stretch>
+            <a:fillRect/>
+          </a:stretch>
+        </p:blipFill>
+        <p:spPr>
+          <a:xfrm>
+            <a:off x="4894528" y="4575683"/>
+            <a:ext cx="13735478" cy="6565961"/>
+          </a:xfrm>
+          <a:prstGeom prst="rect">
+            <a:avLst/>
+          </a:prstGeom>
+        </p:spPr>
+      </p:pic>
+    </p:spTree>
+    <p:extLst>
+      <p:ext uri="{BB962C8B-B14F-4D97-AF65-F5344CB8AC3E}">
+        <p14:creationId xmlns:p14="http://schemas.microsoft.com/office/powerpoint/2010/main" val="3191094973"/>
+      </p:ext>
+    </p:extLst>
+  </p:cSld>
+  <p:clrMapOvr>
+    <a:masterClrMapping/>
+  </p:clrMapOvr>
+</p:sld>
+</file>
+
+<file path=ppt/slides/slide18.xml><?xml version="1.0" encoding="utf-8"?>
+<p:sld xmlns:a="http://schemas.openxmlformats.org/drawingml/2006/main" xmlns:r="http://schemas.openxmlformats.org/officeDocument/2006/relationships" xmlns:p="http://schemas.openxmlformats.org/presentationml/2006/main">
+  <p:cSld>
+    <p:spTree>
+      <p:nvGrpSpPr>
+        <p:cNvPr id="1" name=""/>
+        <p:cNvGrpSpPr/>
+        <p:nvPr/>
+      </p:nvGrpSpPr>
+      <p:grpSpPr>
+        <a:xfrm>
+          <a:off x="0" y="0"/>
+          <a:ext cx="0" cy="0"/>
+          <a:chOff x="0" y="0"/>
+          <a:chExt cx="0" cy="0"/>
+        </a:xfrm>
+      </p:grpSpPr>
+      <p:pic>
+        <p:nvPicPr>
+          <p:cNvPr id="4" name="Picture 3" descr="Slide4-01.jpg"/>
+          <p:cNvPicPr>
+            <a:picLocks noChangeAspect="1"/>
+          </p:cNvPicPr>
+          <p:nvPr/>
+        </p:nvPicPr>
+        <p:blipFill>
+          <a:blip r:embed="rId2">
+            <a:extLst>
+              <a:ext uri="{28A0092B-C50C-407E-A947-70E740481C1C}">
+                <a14:useLocalDpi xmlns:a14="http://schemas.microsoft.com/office/drawing/2010/main" val="0"/>
+              </a:ext>
+            </a:extLst>
+          </a:blip>
+          <a:stretch>
+            <a:fillRect/>
+          </a:stretch>
+        </p:blipFill>
+        <p:spPr>
+          <a:xfrm>
+            <a:off x="-18161" y="-12860"/>
+            <a:ext cx="24405336" cy="13728860"/>
+          </a:xfrm>
+          <a:prstGeom prst="rect">
+            <a:avLst/>
+          </a:prstGeom>
+        </p:spPr>
+      </p:pic>
+      <p:sp>
+        <p:nvSpPr>
+          <p:cNvPr id="14" name="Title 1"/>
+          <p:cNvSpPr txBox="1">
+            <a:spLocks/>
+          </p:cNvSpPr>
+          <p:nvPr/>
+        </p:nvSpPr>
+        <p:spPr>
+          <a:xfrm>
+            <a:off x="1001632" y="706301"/>
+            <a:ext cx="20729099" cy="1133518"/>
+          </a:xfrm>
+          <a:prstGeom prst="rect">
+            <a:avLst/>
+          </a:prstGeom>
+        </p:spPr>
+        <p:txBody>
+          <a:bodyPr vert="horz" lIns="217490" tIns="108745" rIns="217490" bIns="108745" rtlCol="0" anchor="ctr">
+            <a:noAutofit/>
+          </a:bodyPr>
+          <a:lstStyle>
+            <a:lvl1pPr algn="ctr" defTabSz="1087444" rtl="0" eaLnBrk="1" latinLnBrk="0" hangingPunct="1">
+              <a:spcBef>
+                <a:spcPct val="0"/>
+              </a:spcBef>
+              <a:buNone/>
+              <a:defRPr sz="6000" kern="1200">
+                <a:solidFill>
+                  <a:schemeClr val="bg2"/>
+                </a:solidFill>
+                <a:latin typeface="Futura Bk BT Book"/>
+                <a:ea typeface="+mj-ea"/>
+                <a:cs typeface="Open Sans"/>
+              </a:defRPr>
+            </a:lvl1pPr>
+          </a:lstStyle>
+          <a:p>
+            <a:pPr algn="l"/>
+            <a:r>
+              <a:rPr lang="en-US" sz="8800" b="1" dirty="0">
+                <a:solidFill>
+                  <a:schemeClr val="tx1"/>
+                </a:solidFill>
+                <a:latin typeface="Arial"/>
+                <a:cs typeface="Arial"/>
+              </a:rPr>
+              <a:t>Results and </a:t>
+            </a:r>
+            <a:r>
+              <a:rPr lang="en-US" sz="8800" b="1" dirty="0" smtClean="0">
+                <a:solidFill>
+                  <a:schemeClr val="tx1"/>
+                </a:solidFill>
+                <a:latin typeface="Arial"/>
+                <a:cs typeface="Arial"/>
+              </a:rPr>
+              <a:t>Analysis-Beta</a:t>
+            </a:r>
+            <a:endParaRPr lang="en-US" sz="8800" b="1" dirty="0">
+              <a:solidFill>
+                <a:schemeClr val="tx1"/>
+              </a:solidFill>
+              <a:latin typeface="Arial"/>
+              <a:cs typeface="Arial"/>
+            </a:endParaRPr>
+          </a:p>
+        </p:txBody>
+      </p:sp>
+      <p:pic>
+        <p:nvPicPr>
+          <p:cNvPr id="3" name="Picture 2"/>
+          <p:cNvPicPr>
+            <a:picLocks noChangeAspect="1"/>
+          </p:cNvPicPr>
+          <p:nvPr/>
+        </p:nvPicPr>
+        <p:blipFill>
+          <a:blip r:embed="rId3"/>
+          <a:stretch>
+            <a:fillRect/>
+          </a:stretch>
+        </p:blipFill>
+        <p:spPr>
+          <a:xfrm>
+            <a:off x="1829037" y="2294627"/>
+            <a:ext cx="7797019" cy="7719204"/>
+          </a:xfrm>
+          <a:prstGeom prst="rect">
+            <a:avLst/>
+          </a:prstGeom>
+        </p:spPr>
+      </p:pic>
+      <p:pic>
+        <p:nvPicPr>
+          <p:cNvPr id="5" name="Picture 4"/>
+          <p:cNvPicPr>
+            <a:picLocks noChangeAspect="1"/>
+          </p:cNvPicPr>
+          <p:nvPr/>
+        </p:nvPicPr>
+        <p:blipFill>
+          <a:blip r:embed="rId4"/>
+          <a:stretch>
+            <a:fillRect/>
+          </a:stretch>
+        </p:blipFill>
+        <p:spPr>
+          <a:xfrm>
+            <a:off x="12447077" y="2294627"/>
+            <a:ext cx="7856045" cy="7577766"/>
+          </a:xfrm>
+          <a:prstGeom prst="rect">
+            <a:avLst/>
+          </a:prstGeom>
+        </p:spPr>
+      </p:pic>
+    </p:spTree>
+    <p:extLst>
+      <p:ext uri="{BB962C8B-B14F-4D97-AF65-F5344CB8AC3E}">
+        <p14:creationId xmlns:p14="http://schemas.microsoft.com/office/powerpoint/2010/main" val="3583741637"/>
+      </p:ext>
+    </p:extLst>
+  </p:cSld>
+  <p:clrMapOvr>
+    <a:masterClrMapping/>
+  </p:clrMapOvr>
+</p:sld>
+</file>
+
+<file path=ppt/slides/slide19.xml><?xml version="1.0" encoding="utf-8"?>
+<p:sld xmlns:a="http://schemas.openxmlformats.org/drawingml/2006/main" xmlns:r="http://schemas.openxmlformats.org/officeDocument/2006/relationships" xmlns:p="http://schemas.openxmlformats.org/presentationml/2006/main">
+  <p:cSld>
+    <p:spTree>
+      <p:nvGrpSpPr>
+        <p:cNvPr id="1" name=""/>
+        <p:cNvGrpSpPr/>
+        <p:nvPr/>
+      </p:nvGrpSpPr>
+      <p:grpSpPr>
+        <a:xfrm>
+          <a:off x="0" y="0"/>
+          <a:ext cx="0" cy="0"/>
+          <a:chOff x="0" y="0"/>
+          <a:chExt cx="0" cy="0"/>
+        </a:xfrm>
+      </p:grpSpPr>
+      <p:pic>
+        <p:nvPicPr>
+          <p:cNvPr id="4" name="Picture 3" descr="Slide4-01.jpg"/>
+          <p:cNvPicPr>
+            <a:picLocks noChangeAspect="1"/>
+          </p:cNvPicPr>
+          <p:nvPr/>
+        </p:nvPicPr>
+        <p:blipFill>
+          <a:blip r:embed="rId2">
+            <a:extLst>
+              <a:ext uri="{28A0092B-C50C-407E-A947-70E740481C1C}">
+                <a14:useLocalDpi xmlns:a14="http://schemas.microsoft.com/office/drawing/2010/main" val="0"/>
+              </a:ext>
+            </a:extLst>
+          </a:blip>
+          <a:stretch>
+            <a:fillRect/>
+          </a:stretch>
+        </p:blipFill>
+        <p:spPr>
+          <a:xfrm>
+            <a:off x="-18161" y="-12860"/>
+            <a:ext cx="24405336" cy="13728860"/>
+          </a:xfrm>
+          <a:prstGeom prst="rect">
+            <a:avLst/>
+          </a:prstGeom>
+        </p:spPr>
+      </p:pic>
+      <p:sp>
+        <p:nvSpPr>
+          <p:cNvPr id="14" name="Title 1"/>
+          <p:cNvSpPr txBox="1">
+            <a:spLocks/>
+          </p:cNvSpPr>
+          <p:nvPr/>
+        </p:nvSpPr>
+        <p:spPr>
+          <a:xfrm>
+            <a:off x="1001632" y="706301"/>
+            <a:ext cx="20729099" cy="1133518"/>
+          </a:xfrm>
+          <a:prstGeom prst="rect">
+            <a:avLst/>
+          </a:prstGeom>
+        </p:spPr>
+        <p:txBody>
+          <a:bodyPr vert="horz" lIns="217490" tIns="108745" rIns="217490" bIns="108745" rtlCol="0" anchor="ctr">
+            <a:noAutofit/>
+          </a:bodyPr>
+          <a:lstStyle>
+            <a:lvl1pPr algn="ctr" defTabSz="1087444" rtl="0" eaLnBrk="1" latinLnBrk="0" hangingPunct="1">
+              <a:spcBef>
+                <a:spcPct val="0"/>
+              </a:spcBef>
+              <a:buNone/>
+              <a:defRPr sz="6000" kern="1200">
+                <a:solidFill>
+                  <a:schemeClr val="bg2"/>
+                </a:solidFill>
+                <a:latin typeface="Futura Bk BT Book"/>
+                <a:ea typeface="+mj-ea"/>
+                <a:cs typeface="Open Sans"/>
+              </a:defRPr>
+            </a:lvl1pPr>
+          </a:lstStyle>
+          <a:p>
+            <a:pPr algn="l"/>
+            <a:r>
+              <a:rPr lang="en-US" sz="8800" b="1" dirty="0">
+                <a:solidFill>
+                  <a:schemeClr val="tx1"/>
+                </a:solidFill>
+                <a:latin typeface="Arial"/>
+                <a:cs typeface="Arial"/>
+              </a:rPr>
+              <a:t>Results and </a:t>
+            </a:r>
+            <a:r>
+              <a:rPr lang="en-US" sz="8800" b="1" dirty="0" smtClean="0">
+                <a:solidFill>
+                  <a:schemeClr val="tx1"/>
+                </a:solidFill>
+                <a:latin typeface="Arial"/>
+                <a:cs typeface="Arial"/>
+              </a:rPr>
+              <a:t>Analysis-Gamma</a:t>
+            </a:r>
+            <a:endParaRPr lang="en-US" sz="8800" b="1" dirty="0">
+              <a:solidFill>
+                <a:schemeClr val="tx1"/>
+              </a:solidFill>
+              <a:latin typeface="Arial"/>
+              <a:cs typeface="Arial"/>
+            </a:endParaRPr>
+          </a:p>
+        </p:txBody>
+      </p:sp>
+      <p:sp>
+        <p:nvSpPr>
+          <p:cNvPr id="7" name="Subtitle 2"/>
+          <p:cNvSpPr>
+            <a:spLocks noGrp="1"/>
+          </p:cNvSpPr>
+          <p:nvPr>
+            <p:ph type="subTitle" idx="1"/>
+          </p:nvPr>
+        </p:nvSpPr>
+        <p:spPr>
+          <a:xfrm>
+            <a:off x="1001632" y="2021577"/>
+            <a:ext cx="22598045" cy="2074426"/>
+          </a:xfrm>
+        </p:spPr>
+        <p:txBody>
+          <a:bodyPr wrap="square">
+            <a:spAutoFit/>
+          </a:bodyPr>
+          <a:lstStyle/>
+          <a:p>
+            <a:pPr marL="457200" indent="-457200" algn="just">
+              <a:lnSpc>
+                <a:spcPct val="110000"/>
+              </a:lnSpc>
+              <a:buFont typeface="Wingdings" charset="2"/>
+              <a:buChar char="§"/>
+            </a:pPr>
+            <a:r>
+              <a:rPr lang="en-US" sz="5400" dirty="0" smtClean="0">
+                <a:solidFill>
+                  <a:schemeClr val="tx1"/>
+                </a:solidFill>
+                <a:latin typeface="Tisa Offc"/>
+                <a:cs typeface="Tisa Offc"/>
+              </a:rPr>
+              <a:t>Mods used: Random horizontal flip, random vertical flip, 180</a:t>
+            </a:r>
+            <a:r>
+              <a:rPr lang="en-US" sz="5400" baseline="50000" dirty="0" smtClean="0">
+                <a:solidFill>
+                  <a:schemeClr val="tx1"/>
+                </a:solidFill>
+                <a:latin typeface="Tisa Offc"/>
+                <a:cs typeface="Tisa Offc"/>
+              </a:rPr>
+              <a:t>o</a:t>
+            </a:r>
+            <a:r>
+              <a:rPr lang="en-US" sz="5400" dirty="0" smtClean="0">
+                <a:solidFill>
+                  <a:schemeClr val="tx1"/>
+                </a:solidFill>
+                <a:latin typeface="Tisa Offc"/>
+                <a:cs typeface="Tisa Offc"/>
+              </a:rPr>
+              <a:t> rotation, 0.1 width and height shift range</a:t>
+            </a:r>
+          </a:p>
+        </p:txBody>
+      </p:sp>
+      <p:pic>
+        <p:nvPicPr>
+          <p:cNvPr id="6" name="Picture 5"/>
+          <p:cNvPicPr>
+            <a:picLocks noChangeAspect="1"/>
+          </p:cNvPicPr>
+          <p:nvPr/>
+        </p:nvPicPr>
+        <p:blipFill>
+          <a:blip r:embed="rId3"/>
+          <a:stretch>
+            <a:fillRect/>
+          </a:stretch>
+        </p:blipFill>
+        <p:spPr>
+          <a:xfrm>
+            <a:off x="4369748" y="4277761"/>
+            <a:ext cx="14477747" cy="6926016"/>
+          </a:xfrm>
+          <a:prstGeom prst="rect">
+            <a:avLst/>
+          </a:prstGeom>
+        </p:spPr>
+      </p:pic>
+    </p:spTree>
+    <p:extLst>
+      <p:ext uri="{BB962C8B-B14F-4D97-AF65-F5344CB8AC3E}">
+        <p14:creationId xmlns:p14="http://schemas.microsoft.com/office/powerpoint/2010/main" val="2478232484"/>
       </p:ext>
     </p:extLst>
   </p:cSld>
@@ -4642,6 +6002,1030 @@
     <p:extLst>
       <p:ext uri="{BB962C8B-B14F-4D97-AF65-F5344CB8AC3E}">
         <p14:creationId xmlns:p14="http://schemas.microsoft.com/office/powerpoint/2010/main" val="166622139"/>
+      </p:ext>
+    </p:extLst>
+  </p:cSld>
+  <p:clrMapOvr>
+    <a:masterClrMapping/>
+  </p:clrMapOvr>
+</p:sld>
+</file>
+
+<file path=ppt/slides/slide20.xml><?xml version="1.0" encoding="utf-8"?>
+<p:sld xmlns:a="http://schemas.openxmlformats.org/drawingml/2006/main" xmlns:r="http://schemas.openxmlformats.org/officeDocument/2006/relationships" xmlns:p="http://schemas.openxmlformats.org/presentationml/2006/main">
+  <p:cSld>
+    <p:spTree>
+      <p:nvGrpSpPr>
+        <p:cNvPr id="1" name=""/>
+        <p:cNvGrpSpPr/>
+        <p:nvPr/>
+      </p:nvGrpSpPr>
+      <p:grpSpPr>
+        <a:xfrm>
+          <a:off x="0" y="0"/>
+          <a:ext cx="0" cy="0"/>
+          <a:chOff x="0" y="0"/>
+          <a:chExt cx="0" cy="0"/>
+        </a:xfrm>
+      </p:grpSpPr>
+      <p:pic>
+        <p:nvPicPr>
+          <p:cNvPr id="4" name="Picture 3" descr="Slide4-01.jpg"/>
+          <p:cNvPicPr>
+            <a:picLocks noChangeAspect="1"/>
+          </p:cNvPicPr>
+          <p:nvPr/>
+        </p:nvPicPr>
+        <p:blipFill>
+          <a:blip r:embed="rId2">
+            <a:extLst>
+              <a:ext uri="{28A0092B-C50C-407E-A947-70E740481C1C}">
+                <a14:useLocalDpi xmlns:a14="http://schemas.microsoft.com/office/drawing/2010/main" val="0"/>
+              </a:ext>
+            </a:extLst>
+          </a:blip>
+          <a:stretch>
+            <a:fillRect/>
+          </a:stretch>
+        </p:blipFill>
+        <p:spPr>
+          <a:xfrm>
+            <a:off x="-18161" y="-12860"/>
+            <a:ext cx="24405336" cy="13728860"/>
+          </a:xfrm>
+          <a:prstGeom prst="rect">
+            <a:avLst/>
+          </a:prstGeom>
+        </p:spPr>
+      </p:pic>
+      <p:sp>
+        <p:nvSpPr>
+          <p:cNvPr id="2" name="Title 1"/>
+          <p:cNvSpPr>
+            <a:spLocks noGrp="1"/>
+          </p:cNvSpPr>
+          <p:nvPr>
+            <p:ph type="ctrTitle"/>
+          </p:nvPr>
+        </p:nvSpPr>
+        <p:spPr/>
+        <p:txBody>
+          <a:bodyPr/>
+          <a:lstStyle/>
+          <a:p>
+            <a:r>
+              <a:rPr lang="en-US" dirty="0"/>
+              <a:t>        </a:t>
+            </a:r>
+          </a:p>
+        </p:txBody>
+      </p:sp>
+      <p:sp>
+        <p:nvSpPr>
+          <p:cNvPr id="14" name="Title 1"/>
+          <p:cNvSpPr txBox="1">
+            <a:spLocks/>
+          </p:cNvSpPr>
+          <p:nvPr/>
+        </p:nvSpPr>
+        <p:spPr>
+          <a:xfrm>
+            <a:off x="1001632" y="706301"/>
+            <a:ext cx="20729099" cy="1133518"/>
+          </a:xfrm>
+          <a:prstGeom prst="rect">
+            <a:avLst/>
+          </a:prstGeom>
+        </p:spPr>
+        <p:txBody>
+          <a:bodyPr vert="horz" lIns="217490" tIns="108745" rIns="217490" bIns="108745" rtlCol="0" anchor="ctr">
+            <a:noAutofit/>
+          </a:bodyPr>
+          <a:lstStyle>
+            <a:lvl1pPr algn="ctr" defTabSz="1087444" rtl="0" eaLnBrk="1" latinLnBrk="0" hangingPunct="1">
+              <a:spcBef>
+                <a:spcPct val="0"/>
+              </a:spcBef>
+              <a:buNone/>
+              <a:defRPr sz="6000" kern="1200">
+                <a:solidFill>
+                  <a:schemeClr val="bg2"/>
+                </a:solidFill>
+                <a:latin typeface="Futura Bk BT Book"/>
+                <a:ea typeface="+mj-ea"/>
+                <a:cs typeface="Open Sans"/>
+              </a:defRPr>
+            </a:lvl1pPr>
+          </a:lstStyle>
+          <a:p>
+            <a:pPr algn="l"/>
+            <a:r>
+              <a:rPr lang="en-US" sz="8800" b="1" dirty="0">
+                <a:solidFill>
+                  <a:schemeClr val="tx1"/>
+                </a:solidFill>
+                <a:latin typeface="Arial"/>
+                <a:cs typeface="Arial"/>
+              </a:rPr>
+              <a:t>Results and </a:t>
+            </a:r>
+            <a:r>
+              <a:rPr lang="en-US" sz="8800" b="1" dirty="0" smtClean="0">
+                <a:solidFill>
+                  <a:schemeClr val="tx1"/>
+                </a:solidFill>
+                <a:latin typeface="Arial"/>
+                <a:cs typeface="Arial"/>
+              </a:rPr>
+              <a:t>Analysis-Gamma</a:t>
+            </a:r>
+            <a:endParaRPr lang="en-US" sz="8800" b="1" dirty="0">
+              <a:solidFill>
+                <a:schemeClr val="tx1"/>
+              </a:solidFill>
+              <a:latin typeface="Arial"/>
+              <a:cs typeface="Arial"/>
+            </a:endParaRPr>
+          </a:p>
+        </p:txBody>
+      </p:sp>
+      <p:pic>
+        <p:nvPicPr>
+          <p:cNvPr id="5" name="Picture 4"/>
+          <p:cNvPicPr>
+            <a:picLocks noChangeAspect="1"/>
+          </p:cNvPicPr>
+          <p:nvPr/>
+        </p:nvPicPr>
+        <p:blipFill>
+          <a:blip r:embed="rId3"/>
+          <a:stretch>
+            <a:fillRect/>
+          </a:stretch>
+        </p:blipFill>
+        <p:spPr>
+          <a:xfrm>
+            <a:off x="2108801" y="2558980"/>
+            <a:ext cx="8631560" cy="8545417"/>
+          </a:xfrm>
+          <a:prstGeom prst="rect">
+            <a:avLst/>
+          </a:prstGeom>
+        </p:spPr>
+      </p:pic>
+      <p:pic>
+        <p:nvPicPr>
+          <p:cNvPr id="6" name="Picture 5"/>
+          <p:cNvPicPr>
+            <a:picLocks noChangeAspect="1"/>
+          </p:cNvPicPr>
+          <p:nvPr/>
+        </p:nvPicPr>
+        <p:blipFill>
+          <a:blip r:embed="rId4"/>
+          <a:stretch>
+            <a:fillRect/>
+          </a:stretch>
+        </p:blipFill>
+        <p:spPr>
+          <a:xfrm>
+            <a:off x="12867322" y="2576846"/>
+            <a:ext cx="8863409" cy="8549446"/>
+          </a:xfrm>
+          <a:prstGeom prst="rect">
+            <a:avLst/>
+          </a:prstGeom>
+        </p:spPr>
+      </p:pic>
+    </p:spTree>
+    <p:extLst>
+      <p:ext uri="{BB962C8B-B14F-4D97-AF65-F5344CB8AC3E}">
+        <p14:creationId xmlns:p14="http://schemas.microsoft.com/office/powerpoint/2010/main" val="1519851429"/>
+      </p:ext>
+    </p:extLst>
+  </p:cSld>
+  <p:clrMapOvr>
+    <a:masterClrMapping/>
+  </p:clrMapOvr>
+</p:sld>
+</file>
+
+<file path=ppt/slides/slide21.xml><?xml version="1.0" encoding="utf-8"?>
+<p:sld xmlns:a="http://schemas.openxmlformats.org/drawingml/2006/main" xmlns:r="http://schemas.openxmlformats.org/officeDocument/2006/relationships" xmlns:p="http://schemas.openxmlformats.org/presentationml/2006/main">
+  <p:cSld>
+    <p:spTree>
+      <p:nvGrpSpPr>
+        <p:cNvPr id="1" name=""/>
+        <p:cNvGrpSpPr/>
+        <p:nvPr/>
+      </p:nvGrpSpPr>
+      <p:grpSpPr>
+        <a:xfrm>
+          <a:off x="0" y="0"/>
+          <a:ext cx="0" cy="0"/>
+          <a:chOff x="0" y="0"/>
+          <a:chExt cx="0" cy="0"/>
+        </a:xfrm>
+      </p:grpSpPr>
+      <p:pic>
+        <p:nvPicPr>
+          <p:cNvPr id="4" name="Picture 3" descr="Slide4-01.jpg"/>
+          <p:cNvPicPr>
+            <a:picLocks noChangeAspect="1"/>
+          </p:cNvPicPr>
+          <p:nvPr/>
+        </p:nvPicPr>
+        <p:blipFill>
+          <a:blip r:embed="rId2">
+            <a:extLst>
+              <a:ext uri="{28A0092B-C50C-407E-A947-70E740481C1C}">
+                <a14:useLocalDpi xmlns:a14="http://schemas.microsoft.com/office/drawing/2010/main" val="0"/>
+              </a:ext>
+            </a:extLst>
+          </a:blip>
+          <a:stretch>
+            <a:fillRect/>
+          </a:stretch>
+        </p:blipFill>
+        <p:spPr>
+          <a:xfrm>
+            <a:off x="-18161" y="-12860"/>
+            <a:ext cx="24405336" cy="13728860"/>
+          </a:xfrm>
+          <a:prstGeom prst="rect">
+            <a:avLst/>
+          </a:prstGeom>
+        </p:spPr>
+      </p:pic>
+      <p:sp>
+        <p:nvSpPr>
+          <p:cNvPr id="2" name="Title 1"/>
+          <p:cNvSpPr>
+            <a:spLocks noGrp="1"/>
+          </p:cNvSpPr>
+          <p:nvPr>
+            <p:ph type="ctrTitle"/>
+          </p:nvPr>
+        </p:nvSpPr>
+        <p:spPr/>
+        <p:txBody>
+          <a:bodyPr/>
+          <a:lstStyle/>
+          <a:p>
+            <a:r>
+              <a:rPr lang="en-US" dirty="0"/>
+              <a:t>        </a:t>
+            </a:r>
+          </a:p>
+        </p:txBody>
+      </p:sp>
+      <p:sp>
+        <p:nvSpPr>
+          <p:cNvPr id="14" name="Title 1"/>
+          <p:cNvSpPr txBox="1">
+            <a:spLocks/>
+          </p:cNvSpPr>
+          <p:nvPr/>
+        </p:nvSpPr>
+        <p:spPr>
+          <a:xfrm>
+            <a:off x="1001632" y="706301"/>
+            <a:ext cx="20729099" cy="1133518"/>
+          </a:xfrm>
+          <a:prstGeom prst="rect">
+            <a:avLst/>
+          </a:prstGeom>
+        </p:spPr>
+        <p:txBody>
+          <a:bodyPr vert="horz" lIns="217490" tIns="108745" rIns="217490" bIns="108745" rtlCol="0" anchor="ctr">
+            <a:noAutofit/>
+          </a:bodyPr>
+          <a:lstStyle>
+            <a:lvl1pPr algn="ctr" defTabSz="1087444" rtl="0" eaLnBrk="1" latinLnBrk="0" hangingPunct="1">
+              <a:spcBef>
+                <a:spcPct val="0"/>
+              </a:spcBef>
+              <a:buNone/>
+              <a:defRPr sz="6000" kern="1200">
+                <a:solidFill>
+                  <a:schemeClr val="bg2"/>
+                </a:solidFill>
+                <a:latin typeface="Futura Bk BT Book"/>
+                <a:ea typeface="+mj-ea"/>
+                <a:cs typeface="Open Sans"/>
+              </a:defRPr>
+            </a:lvl1pPr>
+          </a:lstStyle>
+          <a:p>
+            <a:pPr algn="l"/>
+            <a:r>
+              <a:rPr lang="en-US" sz="8800" b="1" dirty="0">
+                <a:solidFill>
+                  <a:schemeClr val="tx1"/>
+                </a:solidFill>
+                <a:latin typeface="Arial"/>
+                <a:cs typeface="Arial"/>
+              </a:rPr>
+              <a:t>Results and </a:t>
+            </a:r>
+            <a:r>
+              <a:rPr lang="en-US" sz="8800" b="1" dirty="0" smtClean="0">
+                <a:solidFill>
+                  <a:schemeClr val="tx1"/>
+                </a:solidFill>
+                <a:latin typeface="Arial"/>
+                <a:cs typeface="Arial"/>
+              </a:rPr>
+              <a:t>Analysis-Epsilon</a:t>
+            </a:r>
+            <a:endParaRPr lang="en-US" sz="8800" b="1" dirty="0">
+              <a:solidFill>
+                <a:schemeClr val="tx1"/>
+              </a:solidFill>
+              <a:latin typeface="Arial"/>
+              <a:cs typeface="Arial"/>
+            </a:endParaRPr>
+          </a:p>
+        </p:txBody>
+      </p:sp>
+      <p:pic>
+        <p:nvPicPr>
+          <p:cNvPr id="6" name="Picture 5"/>
+          <p:cNvPicPr>
+            <a:picLocks noChangeAspect="1"/>
+          </p:cNvPicPr>
+          <p:nvPr/>
+        </p:nvPicPr>
+        <p:blipFill>
+          <a:blip r:embed="rId3"/>
+          <a:stretch>
+            <a:fillRect/>
+          </a:stretch>
+        </p:blipFill>
+        <p:spPr>
+          <a:xfrm>
+            <a:off x="4586087" y="4284140"/>
+            <a:ext cx="14064221" cy="6728190"/>
+          </a:xfrm>
+          <a:prstGeom prst="rect">
+            <a:avLst/>
+          </a:prstGeom>
+        </p:spPr>
+      </p:pic>
+      <p:sp>
+        <p:nvSpPr>
+          <p:cNvPr id="10" name="Subtitle 2"/>
+          <p:cNvSpPr>
+            <a:spLocks noGrp="1"/>
+          </p:cNvSpPr>
+          <p:nvPr>
+            <p:ph type="subTitle" idx="1"/>
+          </p:nvPr>
+        </p:nvSpPr>
+        <p:spPr>
+          <a:xfrm>
+            <a:off x="1001632" y="2021577"/>
+            <a:ext cx="22598045" cy="2074426"/>
+          </a:xfrm>
+        </p:spPr>
+        <p:txBody>
+          <a:bodyPr wrap="square">
+            <a:spAutoFit/>
+          </a:bodyPr>
+          <a:lstStyle/>
+          <a:p>
+            <a:pPr marL="457200" indent="-457200" algn="just">
+              <a:lnSpc>
+                <a:spcPct val="110000"/>
+              </a:lnSpc>
+              <a:buFont typeface="Wingdings" charset="2"/>
+              <a:buChar char="§"/>
+            </a:pPr>
+            <a:r>
+              <a:rPr lang="en-US" sz="5400" dirty="0" smtClean="0">
+                <a:solidFill>
+                  <a:schemeClr val="tx1"/>
+                </a:solidFill>
+                <a:latin typeface="Tisa Offc"/>
+                <a:cs typeface="Tisa Offc"/>
+              </a:rPr>
+              <a:t>Mods used: Random horizontal flip,180</a:t>
+            </a:r>
+            <a:r>
+              <a:rPr lang="en-US" sz="5400" baseline="50000" dirty="0" smtClean="0">
+                <a:solidFill>
+                  <a:schemeClr val="tx1"/>
+                </a:solidFill>
+                <a:latin typeface="Tisa Offc"/>
+                <a:cs typeface="Tisa Offc"/>
+              </a:rPr>
+              <a:t>o</a:t>
+            </a:r>
+            <a:r>
+              <a:rPr lang="en-US" sz="5400" dirty="0" smtClean="0">
+                <a:solidFill>
+                  <a:schemeClr val="tx1"/>
+                </a:solidFill>
+                <a:latin typeface="Tisa Offc"/>
+                <a:cs typeface="Tisa Offc"/>
+              </a:rPr>
+              <a:t> rotation, 0.1 width and height shift range</a:t>
+            </a:r>
+          </a:p>
+        </p:txBody>
+      </p:sp>
+    </p:spTree>
+    <p:extLst>
+      <p:ext uri="{BB962C8B-B14F-4D97-AF65-F5344CB8AC3E}">
+        <p14:creationId xmlns:p14="http://schemas.microsoft.com/office/powerpoint/2010/main" val="1471186229"/>
+      </p:ext>
+    </p:extLst>
+  </p:cSld>
+  <p:clrMapOvr>
+    <a:masterClrMapping/>
+  </p:clrMapOvr>
+</p:sld>
+</file>
+
+<file path=ppt/slides/slide22.xml><?xml version="1.0" encoding="utf-8"?>
+<p:sld xmlns:a="http://schemas.openxmlformats.org/drawingml/2006/main" xmlns:r="http://schemas.openxmlformats.org/officeDocument/2006/relationships" xmlns:p="http://schemas.openxmlformats.org/presentationml/2006/main">
+  <p:cSld>
+    <p:spTree>
+      <p:nvGrpSpPr>
+        <p:cNvPr id="1" name=""/>
+        <p:cNvGrpSpPr/>
+        <p:nvPr/>
+      </p:nvGrpSpPr>
+      <p:grpSpPr>
+        <a:xfrm>
+          <a:off x="0" y="0"/>
+          <a:ext cx="0" cy="0"/>
+          <a:chOff x="0" y="0"/>
+          <a:chExt cx="0" cy="0"/>
+        </a:xfrm>
+      </p:grpSpPr>
+      <p:pic>
+        <p:nvPicPr>
+          <p:cNvPr id="4" name="Picture 3" descr="Slide4-01.jpg"/>
+          <p:cNvPicPr>
+            <a:picLocks noChangeAspect="1"/>
+          </p:cNvPicPr>
+          <p:nvPr/>
+        </p:nvPicPr>
+        <p:blipFill>
+          <a:blip r:embed="rId2">
+            <a:extLst>
+              <a:ext uri="{28A0092B-C50C-407E-A947-70E740481C1C}">
+                <a14:useLocalDpi xmlns:a14="http://schemas.microsoft.com/office/drawing/2010/main" val="0"/>
+              </a:ext>
+            </a:extLst>
+          </a:blip>
+          <a:stretch>
+            <a:fillRect/>
+          </a:stretch>
+        </p:blipFill>
+        <p:spPr>
+          <a:xfrm>
+            <a:off x="-18161" y="-12860"/>
+            <a:ext cx="24405336" cy="13728860"/>
+          </a:xfrm>
+          <a:prstGeom prst="rect">
+            <a:avLst/>
+          </a:prstGeom>
+        </p:spPr>
+      </p:pic>
+      <p:sp>
+        <p:nvSpPr>
+          <p:cNvPr id="2" name="Title 1"/>
+          <p:cNvSpPr>
+            <a:spLocks noGrp="1"/>
+          </p:cNvSpPr>
+          <p:nvPr>
+            <p:ph type="ctrTitle"/>
+          </p:nvPr>
+        </p:nvSpPr>
+        <p:spPr/>
+        <p:txBody>
+          <a:bodyPr/>
+          <a:lstStyle/>
+          <a:p>
+            <a:r>
+              <a:rPr lang="en-US" dirty="0"/>
+              <a:t>        </a:t>
+            </a:r>
+          </a:p>
+        </p:txBody>
+      </p:sp>
+      <p:sp>
+        <p:nvSpPr>
+          <p:cNvPr id="14" name="Title 1"/>
+          <p:cNvSpPr txBox="1">
+            <a:spLocks/>
+          </p:cNvSpPr>
+          <p:nvPr/>
+        </p:nvSpPr>
+        <p:spPr>
+          <a:xfrm>
+            <a:off x="1001632" y="706301"/>
+            <a:ext cx="20729099" cy="1133518"/>
+          </a:xfrm>
+          <a:prstGeom prst="rect">
+            <a:avLst/>
+          </a:prstGeom>
+        </p:spPr>
+        <p:txBody>
+          <a:bodyPr vert="horz" lIns="217490" tIns="108745" rIns="217490" bIns="108745" rtlCol="0" anchor="ctr">
+            <a:noAutofit/>
+          </a:bodyPr>
+          <a:lstStyle>
+            <a:lvl1pPr algn="ctr" defTabSz="1087444" rtl="0" eaLnBrk="1" latinLnBrk="0" hangingPunct="1">
+              <a:spcBef>
+                <a:spcPct val="0"/>
+              </a:spcBef>
+              <a:buNone/>
+              <a:defRPr sz="6000" kern="1200">
+                <a:solidFill>
+                  <a:schemeClr val="bg2"/>
+                </a:solidFill>
+                <a:latin typeface="Futura Bk BT Book"/>
+                <a:ea typeface="+mj-ea"/>
+                <a:cs typeface="Open Sans"/>
+              </a:defRPr>
+            </a:lvl1pPr>
+          </a:lstStyle>
+          <a:p>
+            <a:pPr algn="l"/>
+            <a:r>
+              <a:rPr lang="en-US" sz="8800" b="1" dirty="0">
+                <a:solidFill>
+                  <a:schemeClr val="tx1"/>
+                </a:solidFill>
+                <a:latin typeface="Arial"/>
+                <a:cs typeface="Arial"/>
+              </a:rPr>
+              <a:t>Results and </a:t>
+            </a:r>
+            <a:r>
+              <a:rPr lang="en-US" sz="8800" b="1" dirty="0" smtClean="0">
+                <a:solidFill>
+                  <a:schemeClr val="tx1"/>
+                </a:solidFill>
+                <a:latin typeface="Arial"/>
+                <a:cs typeface="Arial"/>
+              </a:rPr>
+              <a:t>Analysis-Epsilon</a:t>
+            </a:r>
+            <a:endParaRPr lang="en-US" sz="8800" b="1" dirty="0">
+              <a:solidFill>
+                <a:schemeClr val="tx1"/>
+              </a:solidFill>
+              <a:latin typeface="Arial"/>
+              <a:cs typeface="Arial"/>
+            </a:endParaRPr>
+          </a:p>
+        </p:txBody>
+      </p:sp>
+      <p:pic>
+        <p:nvPicPr>
+          <p:cNvPr id="3" name="Picture 2"/>
+          <p:cNvPicPr>
+            <a:picLocks noChangeAspect="1"/>
+          </p:cNvPicPr>
+          <p:nvPr/>
+        </p:nvPicPr>
+        <p:blipFill>
+          <a:blip r:embed="rId3"/>
+          <a:stretch>
+            <a:fillRect/>
+          </a:stretch>
+        </p:blipFill>
+        <p:spPr>
+          <a:xfrm>
+            <a:off x="1560721" y="2053087"/>
+            <a:ext cx="8312608" cy="8229648"/>
+          </a:xfrm>
+          <a:prstGeom prst="rect">
+            <a:avLst/>
+          </a:prstGeom>
+        </p:spPr>
+      </p:pic>
+      <p:pic>
+        <p:nvPicPr>
+          <p:cNvPr id="5" name="Picture 4"/>
+          <p:cNvPicPr>
+            <a:picLocks noChangeAspect="1"/>
+          </p:cNvPicPr>
+          <p:nvPr/>
+        </p:nvPicPr>
+        <p:blipFill>
+          <a:blip r:embed="rId4"/>
+          <a:stretch>
+            <a:fillRect/>
+          </a:stretch>
+        </p:blipFill>
+        <p:spPr>
+          <a:xfrm>
+            <a:off x="12928634" y="2053087"/>
+            <a:ext cx="8191975" cy="7901796"/>
+          </a:xfrm>
+          <a:prstGeom prst="rect">
+            <a:avLst/>
+          </a:prstGeom>
+        </p:spPr>
+      </p:pic>
+    </p:spTree>
+    <p:extLst>
+      <p:ext uri="{BB962C8B-B14F-4D97-AF65-F5344CB8AC3E}">
+        <p14:creationId xmlns:p14="http://schemas.microsoft.com/office/powerpoint/2010/main" val="3081805692"/>
+      </p:ext>
+    </p:extLst>
+  </p:cSld>
+  <p:clrMapOvr>
+    <a:masterClrMapping/>
+  </p:clrMapOvr>
+</p:sld>
+</file>
+
+<file path=ppt/slides/slide23.xml><?xml version="1.0" encoding="utf-8"?>
+<p:sld xmlns:a="http://schemas.openxmlformats.org/drawingml/2006/main" xmlns:r="http://schemas.openxmlformats.org/officeDocument/2006/relationships" xmlns:p="http://schemas.openxmlformats.org/presentationml/2006/main">
+  <p:cSld>
+    <p:spTree>
+      <p:nvGrpSpPr>
+        <p:cNvPr id="1" name=""/>
+        <p:cNvGrpSpPr/>
+        <p:nvPr/>
+      </p:nvGrpSpPr>
+      <p:grpSpPr>
+        <a:xfrm>
+          <a:off x="0" y="0"/>
+          <a:ext cx="0" cy="0"/>
+          <a:chOff x="0" y="0"/>
+          <a:chExt cx="0" cy="0"/>
+        </a:xfrm>
+      </p:grpSpPr>
+      <p:sp>
+        <p:nvSpPr>
+          <p:cNvPr id="2" name="Title 1"/>
+          <p:cNvSpPr>
+            <a:spLocks noGrp="1"/>
+          </p:cNvSpPr>
+          <p:nvPr>
+            <p:ph type="ctrTitle"/>
+          </p:nvPr>
+        </p:nvSpPr>
+        <p:spPr/>
+        <p:txBody>
+          <a:bodyPr/>
+          <a:lstStyle/>
+          <a:p>
+            <a:endParaRPr lang="en-US"/>
+          </a:p>
+        </p:txBody>
+      </p:sp>
+      <p:sp>
+        <p:nvSpPr>
+          <p:cNvPr id="3" name="Subtitle 2"/>
+          <p:cNvSpPr>
+            <a:spLocks noGrp="1"/>
+          </p:cNvSpPr>
+          <p:nvPr>
+            <p:ph type="subTitle" idx="1"/>
+          </p:nvPr>
+        </p:nvSpPr>
+        <p:spPr/>
+        <p:txBody>
+          <a:bodyPr/>
+          <a:lstStyle/>
+          <a:p>
+            <a:endParaRPr lang="en-US"/>
+          </a:p>
+        </p:txBody>
+      </p:sp>
+      <p:pic>
+        <p:nvPicPr>
+          <p:cNvPr id="5" name="Picture 4" descr="Black BackPage NO1 16=9.jpg"/>
+          <p:cNvPicPr>
+            <a:picLocks noChangeAspect="1"/>
+          </p:cNvPicPr>
+          <p:nvPr/>
+        </p:nvPicPr>
+        <p:blipFill>
+          <a:blip r:embed="rId2">
+            <a:extLst>
+              <a:ext uri="{28A0092B-C50C-407E-A947-70E740481C1C}">
+                <a14:useLocalDpi xmlns:a14="http://schemas.microsoft.com/office/drawing/2010/main" val="0"/>
+              </a:ext>
+            </a:extLst>
+          </a:blip>
+          <a:stretch>
+            <a:fillRect/>
+          </a:stretch>
+        </p:blipFill>
+        <p:spPr>
+          <a:xfrm>
+            <a:off x="-67744" y="-406400"/>
+            <a:ext cx="25290405" cy="14224000"/>
+          </a:xfrm>
+          <a:prstGeom prst="rect">
+            <a:avLst/>
+          </a:prstGeom>
+        </p:spPr>
+      </p:pic>
+      <p:sp>
+        <p:nvSpPr>
+          <p:cNvPr id="16" name="Title 1"/>
+          <p:cNvSpPr txBox="1">
+            <a:spLocks/>
+          </p:cNvSpPr>
+          <p:nvPr/>
+        </p:nvSpPr>
+        <p:spPr>
+          <a:xfrm>
+            <a:off x="3627845" y="4066626"/>
+            <a:ext cx="17131486" cy="1508712"/>
+          </a:xfrm>
+          <a:prstGeom prst="rect">
+            <a:avLst/>
+          </a:prstGeom>
+        </p:spPr>
+        <p:txBody>
+          <a:bodyPr/>
+          <a:lstStyle>
+            <a:lvl1pPr algn="ctr" defTabSz="1087444" rtl="0" eaLnBrk="1" latinLnBrk="0" hangingPunct="1">
+              <a:spcBef>
+                <a:spcPct val="0"/>
+              </a:spcBef>
+              <a:buNone/>
+              <a:defRPr sz="6000" kern="1200">
+                <a:solidFill>
+                  <a:schemeClr val="bg2"/>
+                </a:solidFill>
+                <a:latin typeface="Futura Bk BT Book"/>
+                <a:ea typeface="+mj-ea"/>
+                <a:cs typeface="Open Sans"/>
+              </a:defRPr>
+            </a:lvl1pPr>
+          </a:lstStyle>
+          <a:p>
+            <a:r>
+              <a:rPr lang="en-US" sz="8800" dirty="0">
+                <a:solidFill>
+                  <a:schemeClr val="bg1"/>
+                </a:solidFill>
+                <a:latin typeface="FuturaBT Book"/>
+                <a:cs typeface="FuturaBT Book"/>
+              </a:rPr>
+              <a:t>Discussion and Future Work</a:t>
+            </a:r>
+          </a:p>
+        </p:txBody>
+      </p:sp>
+      <p:pic>
+        <p:nvPicPr>
+          <p:cNvPr id="8" name="Picture 7" descr="CSULA Logo Hero Horizontal Color-Reversed.png"/>
+          <p:cNvPicPr>
+            <a:picLocks noChangeAspect="1"/>
+          </p:cNvPicPr>
+          <p:nvPr/>
+        </p:nvPicPr>
+        <p:blipFill>
+          <a:blip r:embed="rId3">
+            <a:extLst>
+              <a:ext uri="{28A0092B-C50C-407E-A947-70E740481C1C}">
+                <a14:useLocalDpi xmlns:a14="http://schemas.microsoft.com/office/drawing/2010/main" val="0"/>
+              </a:ext>
+            </a:extLst>
+          </a:blip>
+          <a:stretch>
+            <a:fillRect/>
+          </a:stretch>
+        </p:blipFill>
+        <p:spPr>
+          <a:xfrm>
+            <a:off x="15662772" y="10545584"/>
+            <a:ext cx="9030695" cy="2444726"/>
+          </a:xfrm>
+          <a:prstGeom prst="rect">
+            <a:avLst/>
+          </a:prstGeom>
+        </p:spPr>
+      </p:pic>
+    </p:spTree>
+    <p:extLst>
+      <p:ext uri="{BB962C8B-B14F-4D97-AF65-F5344CB8AC3E}">
+        <p14:creationId xmlns:p14="http://schemas.microsoft.com/office/powerpoint/2010/main" val="2916398997"/>
+      </p:ext>
+    </p:extLst>
+  </p:cSld>
+  <p:clrMapOvr>
+    <a:masterClrMapping/>
+  </p:clrMapOvr>
+</p:sld>
+</file>
+
+<file path=ppt/slides/slide24.xml><?xml version="1.0" encoding="utf-8"?>
+<p:sld xmlns:a="http://schemas.openxmlformats.org/drawingml/2006/main" xmlns:r="http://schemas.openxmlformats.org/officeDocument/2006/relationships" xmlns:p="http://schemas.openxmlformats.org/presentationml/2006/main">
+  <p:cSld>
+    <p:spTree>
+      <p:nvGrpSpPr>
+        <p:cNvPr id="1" name=""/>
+        <p:cNvGrpSpPr/>
+        <p:nvPr/>
+      </p:nvGrpSpPr>
+      <p:grpSpPr>
+        <a:xfrm>
+          <a:off x="0" y="0"/>
+          <a:ext cx="0" cy="0"/>
+          <a:chOff x="0" y="0"/>
+          <a:chExt cx="0" cy="0"/>
+        </a:xfrm>
+      </p:grpSpPr>
+      <p:pic>
+        <p:nvPicPr>
+          <p:cNvPr id="4" name="Picture 3" descr="Slide4-01.jpg"/>
+          <p:cNvPicPr>
+            <a:picLocks noChangeAspect="1"/>
+          </p:cNvPicPr>
+          <p:nvPr/>
+        </p:nvPicPr>
+        <p:blipFill>
+          <a:blip r:embed="rId2">
+            <a:extLst>
+              <a:ext uri="{28A0092B-C50C-407E-A947-70E740481C1C}">
+                <a14:useLocalDpi xmlns:a14="http://schemas.microsoft.com/office/drawing/2010/main" val="0"/>
+              </a:ext>
+            </a:extLst>
+          </a:blip>
+          <a:stretch>
+            <a:fillRect/>
+          </a:stretch>
+        </p:blipFill>
+        <p:spPr>
+          <a:xfrm>
+            <a:off x="-18161" y="-12860"/>
+            <a:ext cx="24405336" cy="13728860"/>
+          </a:xfrm>
+          <a:prstGeom prst="rect">
+            <a:avLst/>
+          </a:prstGeom>
+        </p:spPr>
+      </p:pic>
+      <p:sp>
+        <p:nvSpPr>
+          <p:cNvPr id="2" name="Title 1"/>
+          <p:cNvSpPr>
+            <a:spLocks noGrp="1"/>
+          </p:cNvSpPr>
+          <p:nvPr>
+            <p:ph type="ctrTitle"/>
+          </p:nvPr>
+        </p:nvSpPr>
+        <p:spPr/>
+        <p:txBody>
+          <a:bodyPr/>
+          <a:lstStyle/>
+          <a:p>
+            <a:r>
+              <a:rPr lang="en-US" dirty="0"/>
+              <a:t>        </a:t>
+            </a:r>
+          </a:p>
+        </p:txBody>
+      </p:sp>
+      <p:sp>
+        <p:nvSpPr>
+          <p:cNvPr id="13" name="Subtitle 2"/>
+          <p:cNvSpPr>
+            <a:spLocks noGrp="1"/>
+          </p:cNvSpPr>
+          <p:nvPr>
+            <p:ph type="subTitle" idx="1"/>
+          </p:nvPr>
+        </p:nvSpPr>
+        <p:spPr>
+          <a:xfrm>
+            <a:off x="973743" y="3234400"/>
+            <a:ext cx="22598045" cy="2194908"/>
+          </a:xfrm>
+        </p:spPr>
+        <p:txBody>
+          <a:bodyPr wrap="square">
+            <a:spAutoFit/>
+          </a:bodyPr>
+          <a:lstStyle/>
+          <a:p>
+            <a:pPr marL="457200" indent="-457200" algn="just">
+              <a:lnSpc>
+                <a:spcPct val="110000"/>
+              </a:lnSpc>
+              <a:buFont typeface="Wingdings" charset="2"/>
+              <a:buChar char="§"/>
+            </a:pPr>
+            <a:r>
+              <a:rPr lang="en-US" sz="5400" dirty="0">
+                <a:solidFill>
+                  <a:schemeClr val="tx1"/>
+                </a:solidFill>
+                <a:latin typeface="Tisa Offc"/>
+                <a:cs typeface="Tisa Offc"/>
+              </a:rPr>
+              <a:t>Apply same methodology to help identify blood diseases </a:t>
+            </a:r>
+            <a:r>
+              <a:rPr lang="en-US" sz="5400" dirty="0" err="1">
+                <a:solidFill>
+                  <a:schemeClr val="tx1"/>
+                </a:solidFill>
+                <a:latin typeface="Tisa Offc"/>
+                <a:cs typeface="Tisa Offc"/>
+              </a:rPr>
+              <a:t>etc</a:t>
+            </a:r>
+            <a:r>
+              <a:rPr lang="en-US" sz="5400" dirty="0">
+                <a:solidFill>
+                  <a:schemeClr val="tx1"/>
+                </a:solidFill>
+                <a:latin typeface="Tisa Offc"/>
+                <a:cs typeface="Tisa Offc"/>
+              </a:rPr>
+              <a:t>…</a:t>
+            </a:r>
+          </a:p>
+          <a:p>
+            <a:pPr marL="457200" indent="-457200" algn="just">
+              <a:lnSpc>
+                <a:spcPct val="110000"/>
+              </a:lnSpc>
+              <a:buFont typeface="Wingdings" charset="2"/>
+              <a:buChar char="§"/>
+            </a:pPr>
+            <a:endParaRPr lang="en-US" sz="5400" dirty="0">
+              <a:solidFill>
+                <a:schemeClr val="tx1"/>
+              </a:solidFill>
+              <a:latin typeface="Tisa Offc"/>
+              <a:cs typeface="Tisa Offc"/>
+            </a:endParaRPr>
+          </a:p>
+        </p:txBody>
+      </p:sp>
+      <p:sp>
+        <p:nvSpPr>
+          <p:cNvPr id="14" name="Title 1"/>
+          <p:cNvSpPr txBox="1">
+            <a:spLocks/>
+          </p:cNvSpPr>
+          <p:nvPr/>
+        </p:nvSpPr>
+        <p:spPr>
+          <a:xfrm>
+            <a:off x="1001632" y="706301"/>
+            <a:ext cx="20729099" cy="1133518"/>
+          </a:xfrm>
+          <a:prstGeom prst="rect">
+            <a:avLst/>
+          </a:prstGeom>
+        </p:spPr>
+        <p:txBody>
+          <a:bodyPr vert="horz" lIns="217490" tIns="108745" rIns="217490" bIns="108745" rtlCol="0" anchor="ctr">
+            <a:noAutofit/>
+          </a:bodyPr>
+          <a:lstStyle>
+            <a:lvl1pPr algn="ctr" defTabSz="1087444" rtl="0" eaLnBrk="1" latinLnBrk="0" hangingPunct="1">
+              <a:spcBef>
+                <a:spcPct val="0"/>
+              </a:spcBef>
+              <a:buNone/>
+              <a:defRPr sz="6000" kern="1200">
+                <a:solidFill>
+                  <a:schemeClr val="bg2"/>
+                </a:solidFill>
+                <a:latin typeface="Futura Bk BT Book"/>
+                <a:ea typeface="+mj-ea"/>
+                <a:cs typeface="Open Sans"/>
+              </a:defRPr>
+            </a:lvl1pPr>
+          </a:lstStyle>
+          <a:p>
+            <a:pPr algn="l"/>
+            <a:r>
+              <a:rPr lang="en-US" sz="8800" b="1" dirty="0">
+                <a:solidFill>
+                  <a:schemeClr val="tx1"/>
+                </a:solidFill>
+                <a:latin typeface="Arial"/>
+                <a:cs typeface="Arial"/>
+              </a:rPr>
+              <a:t>Discussion and Future Work</a:t>
+            </a:r>
+          </a:p>
+        </p:txBody>
+      </p:sp>
+    </p:spTree>
+    <p:extLst>
+      <p:ext uri="{BB962C8B-B14F-4D97-AF65-F5344CB8AC3E}">
+        <p14:creationId xmlns:p14="http://schemas.microsoft.com/office/powerpoint/2010/main" val="3885906403"/>
       </p:ext>
     </p:extLst>
   </p:cSld>
@@ -5034,7 +7418,7 @@
           <p:cNvPr id="5" name="Picture 4">
             <a:extLst>
               <a:ext uri="{FF2B5EF4-FFF2-40B4-BE49-F238E27FC236}">
-                <a16:creationId xmlns:a16="http://schemas.microsoft.com/office/drawing/2014/main" xmlns="" id="{8636D432-FE1A-4B84-81DF-97A0F267C5E7}"/>
+                <a16:creationId xmlns="" xmlns:a16="http://schemas.microsoft.com/office/drawing/2014/main" id="{8636D432-FE1A-4B84-81DF-97A0F267C5E7}"/>
               </a:ext>
             </a:extLst>
           </p:cNvPr>
@@ -5064,7 +7448,7 @@
           <p:cNvPr id="6" name="TextBox 5">
             <a:extLst>
               <a:ext uri="{FF2B5EF4-FFF2-40B4-BE49-F238E27FC236}">
-                <a16:creationId xmlns:a16="http://schemas.microsoft.com/office/drawing/2014/main" xmlns="" id="{88C83AA9-0F70-4CED-9AD6-63E58838F66C}"/>
+                <a16:creationId xmlns="" xmlns:a16="http://schemas.microsoft.com/office/drawing/2014/main" id="{88C83AA9-0F70-4CED-9AD6-63E58838F66C}"/>
               </a:ext>
             </a:extLst>
           </p:cNvPr>
@@ -6025,7 +8409,7 @@
           <p:cNvPr id="5" name="Picture 4">
             <a:extLst>
               <a:ext uri="{FF2B5EF4-FFF2-40B4-BE49-F238E27FC236}">
-                <a16:creationId xmlns:a16="http://schemas.microsoft.com/office/drawing/2014/main" xmlns="" id="{0EF7A0CE-4B70-4E8D-B9F1-632C6C052D5D}"/>
+                <a16:creationId xmlns="" xmlns:a16="http://schemas.microsoft.com/office/drawing/2014/main" id="{0EF7A0CE-4B70-4E8D-B9F1-632C6C052D5D}"/>
               </a:ext>
             </a:extLst>
           </p:cNvPr>
@@ -6055,7 +8439,7 @@
           <p:cNvPr id="7" name="Picture 6">
             <a:extLst>
               <a:ext uri="{FF2B5EF4-FFF2-40B4-BE49-F238E27FC236}">
-                <a16:creationId xmlns:a16="http://schemas.microsoft.com/office/drawing/2014/main" xmlns="" id="{DEAF1C4F-1938-4349-AE28-4F49B1D6C49C}"/>
+                <a16:creationId xmlns="" xmlns:a16="http://schemas.microsoft.com/office/drawing/2014/main" id="{DEAF1C4F-1938-4349-AE28-4F49B1D6C49C}"/>
               </a:ext>
             </a:extLst>
           </p:cNvPr>
@@ -6085,7 +8469,7 @@
           <p:cNvPr id="8" name="TextBox 7">
             <a:extLst>
               <a:ext uri="{FF2B5EF4-FFF2-40B4-BE49-F238E27FC236}">
-                <a16:creationId xmlns:a16="http://schemas.microsoft.com/office/drawing/2014/main" xmlns="" id="{9AF95BA5-4283-443A-ACCD-4B94269808A5}"/>
+                <a16:creationId xmlns="" xmlns:a16="http://schemas.microsoft.com/office/drawing/2014/main" id="{9AF95BA5-4283-443A-ACCD-4B94269808A5}"/>
               </a:ext>
             </a:extLst>
           </p:cNvPr>
@@ -6122,7 +8506,7 @@
           <p:cNvPr id="9" name="TextBox 8">
             <a:extLst>
               <a:ext uri="{FF2B5EF4-FFF2-40B4-BE49-F238E27FC236}">
-                <a16:creationId xmlns:a16="http://schemas.microsoft.com/office/drawing/2014/main" xmlns="" id="{59C41B83-3187-4705-9BBE-1239F841BC81}"/>
+                <a16:creationId xmlns="" xmlns:a16="http://schemas.microsoft.com/office/drawing/2014/main" id="{59C41B83-3187-4705-9BBE-1239F841BC81}"/>
               </a:ext>
             </a:extLst>
           </p:cNvPr>
@@ -6674,15 +9058,6 @@
 </file>
 
 <file path=customXml/item2.xml><?xml version="1.0" encoding="utf-8"?>
-<?mso-contentType ?>
-<FormTemplates xmlns="http://schemas.microsoft.com/sharepoint/v3/contenttype/forms">
-  <Display>DocumentLibraryForm</Display>
-  <Edit>DocumentLibraryForm</Edit>
-  <New>DocumentLibraryForm</New>
-</FormTemplates>
-</file>
-
-<file path=customXml/item3.xml><?xml version="1.0" encoding="utf-8"?>
 <ct:contentTypeSchema xmlns:ct="http://schemas.microsoft.com/office/2006/metadata/contentType" xmlns:ma="http://schemas.microsoft.com/office/2006/metadata/properties/metaAttributes" ct:_="" ma:_="" ma:contentTypeName="Document" ma:contentTypeID="0x0101000DE64AEEDD9B7A4D93545ACBE97D4615" ma:contentTypeVersion="2" ma:contentTypeDescription="Create a new document." ma:contentTypeScope="" ma:versionID="f49002b78e3a4a71b814eef46a983816">
   <xsd:schema xmlns:xsd="http://www.w3.org/2001/XMLSchema" xmlns:xs="http://www.w3.org/2001/XMLSchema" xmlns:p="http://schemas.microsoft.com/office/2006/metadata/properties" xmlns:ns2="http://schemas.microsoft.com/sharepoint/v3/fields" targetNamespace="http://schemas.microsoft.com/office/2006/metadata/properties" ma:root="true" ma:fieldsID="38f6db2dd0d9a0cf6a8dc37be32b365b" ns2:_="">
     <xsd:import namespace="http://schemas.microsoft.com/sharepoint/v3/fields"/>
@@ -6826,6 +9201,15 @@
 </ct:contentTypeSchema>
 </file>
 
+<file path=customXml/item3.xml><?xml version="1.0" encoding="utf-8"?>
+<?mso-contentType ?>
+<FormTemplates xmlns="http://schemas.microsoft.com/sharepoint/v3/contenttype/forms">
+  <Display>DocumentLibraryForm</Display>
+  <Edit>DocumentLibraryForm</Edit>
+  <New>DocumentLibraryForm</New>
+</FormTemplates>
+</file>
+
 <file path=customXml/itemProps1.xml><?xml version="1.0" encoding="utf-8"?>
 <ds:datastoreItem xmlns:ds="http://schemas.openxmlformats.org/officeDocument/2006/customXml" ds:itemID="{7B6F2769-7194-4217-93D3-3AF3A4742282}">
   <ds:schemaRefs>
@@ -6843,14 +9227,6 @@
 </file>
 
 <file path=customXml/itemProps2.xml><?xml version="1.0" encoding="utf-8"?>
-<ds:datastoreItem xmlns:ds="http://schemas.openxmlformats.org/officeDocument/2006/customXml" ds:itemID="{87D2A1B0-FF3E-4009-940D-AED0EB70AA20}">
-  <ds:schemaRefs>
-    <ds:schemaRef ds:uri="http://schemas.microsoft.com/sharepoint/v3/contenttype/forms"/>
-  </ds:schemaRefs>
-</ds:datastoreItem>
-</file>
-
-<file path=customXml/itemProps3.xml><?xml version="1.0" encoding="utf-8"?>
 <ds:datastoreItem xmlns:ds="http://schemas.openxmlformats.org/officeDocument/2006/customXml" ds:itemID="{E4214858-785C-42F7-BE66-6D0E79395FC8}">
   <ds:schemaRefs>
     <ds:schemaRef ds:uri="http://schemas.microsoft.com/office/2006/metadata/contentType"/>
@@ -6866,4 +9242,12 @@
     <ds:schemaRef ds:uri="http://schemas.microsoft.com/internal/obd"/>
   </ds:schemaRefs>
 </ds:datastoreItem>
+</file>
+
+<file path=customXml/itemProps3.xml><?xml version="1.0" encoding="utf-8"?>
+<ds:datastoreItem xmlns:ds="http://schemas.openxmlformats.org/officeDocument/2006/customXml" ds:itemID="{87D2A1B0-FF3E-4009-940D-AED0EB70AA20}">
+  <ds:schemaRefs>
+    <ds:schemaRef ds:uri="http://schemas.microsoft.com/sharepoint/v3/contenttype/forms"/>
+  </ds:schemaRefs>
+</ds:datastoreItem>
 </file>
--- a/MLPresentaion.pptx
+++ b/MLPresentaion.pptx
@@ -3237,8 +3237,65 @@
                 <a:latin typeface="FuturaBT Book"/>
                 <a:cs typeface="FuturaBT Book"/>
               </a:rPr>
-              <a:t>Blood Cell Image Classification</a:t>
-            </a:r>
+              <a:t>Blood Cell Image </a:t>
+            </a:r>
+            <a:r>
+              <a:rPr lang="en-US" sz="9600" b="1" dirty="0" smtClean="0">
+                <a:solidFill>
+                  <a:schemeClr val="bg1"/>
+                </a:solidFill>
+                <a:latin typeface="FuturaBT Book"/>
+                <a:cs typeface="FuturaBT Book"/>
+              </a:rPr>
+              <a:t>Classification </a:t>
+            </a:r>
+            <a:r>
+              <a:rPr lang="en-US" sz="9600" b="1" dirty="0">
+                <a:solidFill>
+                  <a:schemeClr val="bg1"/>
+                </a:solidFill>
+                <a:latin typeface="FuturaBT Book"/>
+                <a:cs typeface="FuturaBT Book"/>
+              </a:rPr>
+              <a:t>U</a:t>
+            </a:r>
+            <a:r>
+              <a:rPr lang="en-US" sz="9600" b="1" dirty="0" smtClean="0">
+                <a:solidFill>
+                  <a:schemeClr val="bg1"/>
+                </a:solidFill>
+                <a:latin typeface="FuturaBT Book"/>
+                <a:cs typeface="FuturaBT Book"/>
+              </a:rPr>
+              <a:t>sing </a:t>
+            </a:r>
+            <a:r>
+              <a:rPr lang="en-US" sz="9600" b="1" dirty="0" smtClean="0">
+                <a:solidFill>
+                  <a:schemeClr val="bg1"/>
+                </a:solidFill>
+                <a:latin typeface="FuturaBT Book"/>
+                <a:cs typeface="FuturaBT Book"/>
+              </a:rPr>
+              <a:t>N</a:t>
+            </a:r>
+            <a:r>
+              <a:rPr lang="en-US" sz="9600" b="1" dirty="0" smtClean="0">
+                <a:solidFill>
+                  <a:schemeClr val="bg1"/>
+                </a:solidFill>
+                <a:latin typeface="FuturaBT Book"/>
+                <a:cs typeface="FuturaBT Book"/>
+              </a:rPr>
+              <a:t>eural Networks</a:t>
+            </a:r>
+            <a:endParaRPr lang="en-US" sz="9600" b="1" dirty="0">
+              <a:solidFill>
+                <a:schemeClr val="bg1"/>
+              </a:solidFill>
+              <a:latin typeface="FuturaBT Book"/>
+              <a:cs typeface="FuturaBT Book"/>
+            </a:endParaRPr>
           </a:p>
         </p:txBody>
       </p:sp>
@@ -3252,7 +3309,7 @@
         </p:nvSpPr>
         <p:spPr>
           <a:xfrm>
-            <a:off x="-67744" y="5637059"/>
+            <a:off x="-67744" y="6642474"/>
             <a:ext cx="25290404" cy="1116864"/>
           </a:xfrm>
           <a:prstGeom prst="rect">
@@ -3420,15 +3477,54 @@
           </a:lstStyle>
           <a:p>
             <a:r>
-              <a:rPr lang="en-US" sz="7200" i="1" dirty="0">
+              <a:rPr lang="en-US" sz="7200" i="1" dirty="0" smtClean="0">
                 <a:solidFill>
                   <a:srgbClr val="FFFFFF"/>
                 </a:solidFill>
                 <a:latin typeface="Tisa Offc"/>
                 <a:cs typeface="Tisa Offc"/>
               </a:rPr>
-              <a:t>Neural Networks</a:t>
-            </a:r>
+              <a:t>Brian Martinez</a:t>
+            </a:r>
+          </a:p>
+          <a:p>
+            <a:r>
+              <a:rPr lang="en-US" sz="7200" i="1" dirty="0" smtClean="0">
+                <a:solidFill>
+                  <a:srgbClr val="FFFFFF"/>
+                </a:solidFill>
+                <a:latin typeface="Tisa Offc"/>
+                <a:cs typeface="Tisa Offc"/>
+              </a:rPr>
+              <a:t>Ian </a:t>
+            </a:r>
+            <a:r>
+              <a:rPr lang="en-US" sz="7200" i="1" dirty="0">
+                <a:solidFill>
+                  <a:srgbClr val="FFFFFF"/>
+                </a:solidFill>
+                <a:latin typeface="Tisa Offc"/>
+                <a:cs typeface="Tisa Offc"/>
+              </a:rPr>
+              <a:t>M</a:t>
+            </a:r>
+            <a:r>
+              <a:rPr lang="en-US" sz="7200" i="1" dirty="0" smtClean="0">
+                <a:solidFill>
+                  <a:srgbClr val="FFFFFF"/>
+                </a:solidFill>
+                <a:latin typeface="Tisa Offc"/>
+                <a:cs typeface="Tisa Offc"/>
+              </a:rPr>
+              <a:t>arquez</a:t>
+            </a:r>
+            <a:endParaRPr lang="en-US" sz="7200" i="1" dirty="0">
+              <a:solidFill>
+                <a:srgbClr val="FFFFFF"/>
+              </a:solidFill>
+              <a:latin typeface="Tisa Offc"/>
+              <a:cs typeface="Tisa Offc"/>
+            </a:endParaRPr>
           </a:p>
         </p:txBody>
       </p:sp>
@@ -4403,14 +4499,49 @@
         </p:blipFill>
         <p:spPr>
           <a:xfrm>
-            <a:off x="4555715" y="4614863"/>
-            <a:ext cx="13657392" cy="6513212"/>
+            <a:off x="4753553" y="4165472"/>
+            <a:ext cx="13698761" cy="6532941"/>
           </a:xfrm>
           <a:prstGeom prst="rect">
             <a:avLst/>
           </a:prstGeom>
         </p:spPr>
       </p:pic>
+      <p:sp>
+        <p:nvSpPr>
+          <p:cNvPr id="7" name="TextBox 6"/>
+          <p:cNvSpPr txBox="1"/>
+          <p:nvPr/>
+        </p:nvSpPr>
+        <p:spPr>
+          <a:xfrm>
+            <a:off x="5115264" y="10793796"/>
+            <a:ext cx="12245660" cy="830997"/>
+          </a:xfrm>
+          <a:prstGeom prst="rect">
+            <a:avLst/>
+          </a:prstGeom>
+          <a:noFill/>
+        </p:spPr>
+        <p:txBody>
+          <a:bodyPr wrap="none" rtlCol="0">
+            <a:spAutoFit/>
+          </a:bodyPr>
+          <a:lstStyle/>
+          <a:p>
+            <a:pPr marL="685800" indent="-685800">
+              <a:buFont typeface="Wingdings" panose="05000000000000000000" pitchFamily="2" charset="2"/>
+              <a:buChar char="§"/>
+            </a:pPr>
+            <a:r>
+              <a:rPr lang="en-US" dirty="0" smtClean="0">
+                <a:latin typeface="Tisa Offc"/>
+              </a:rPr>
+              <a:t>Large dip in model accuracy before midpoint</a:t>
+            </a:r>
+          </a:p>
+        </p:txBody>
+      </p:sp>
     </p:spTree>
     <p:extLst>
       <p:ext uri="{BB962C8B-B14F-4D97-AF65-F5344CB8AC3E}">
@@ -4584,8 +4715,8 @@
         </p:blipFill>
         <p:spPr>
           <a:xfrm>
-            <a:off x="1001632" y="2151574"/>
-            <a:ext cx="8695426" cy="8608645"/>
+            <a:off x="1001632" y="2151575"/>
+            <a:ext cx="9668186" cy="8027596"/>
           </a:xfrm>
           <a:prstGeom prst="rect">
             <a:avLst/>
@@ -4615,13 +4746,69 @@
         <p:spPr>
           <a:xfrm>
             <a:off x="12706333" y="2151574"/>
-            <a:ext cx="8690781" cy="8382932"/>
+            <a:ext cx="9078935" cy="8027597"/>
           </a:xfrm>
           <a:prstGeom prst="rect">
             <a:avLst/>
           </a:prstGeom>
         </p:spPr>
       </p:pic>
+      <p:sp>
+        <p:nvSpPr>
+          <p:cNvPr id="8" name="TextBox 7"/>
+          <p:cNvSpPr txBox="1"/>
+          <p:nvPr/>
+        </p:nvSpPr>
+        <p:spPr>
+          <a:xfrm>
+            <a:off x="1829038" y="10551768"/>
+            <a:ext cx="18733013" cy="1569660"/>
+          </a:xfrm>
+          <a:prstGeom prst="rect">
+            <a:avLst/>
+          </a:prstGeom>
+          <a:noFill/>
+        </p:spPr>
+        <p:txBody>
+          <a:bodyPr wrap="none" rtlCol="0">
+            <a:spAutoFit/>
+          </a:bodyPr>
+          <a:lstStyle/>
+          <a:p>
+            <a:pPr marL="685800" indent="-685800">
+              <a:buFont typeface="Wingdings" panose="05000000000000000000" pitchFamily="2" charset="2"/>
+              <a:buChar char="§"/>
+            </a:pPr>
+            <a:r>
+              <a:rPr lang="en-US" dirty="0" smtClean="0">
+                <a:latin typeface="Tisa Offc"/>
+              </a:rPr>
+              <a:t>364 errors or 85.36% accuracy</a:t>
+            </a:r>
+          </a:p>
+          <a:p>
+            <a:pPr marL="685800" indent="-685800">
+              <a:buFont typeface="Wingdings" panose="05000000000000000000" pitchFamily="2" charset="2"/>
+              <a:buChar char="§"/>
+            </a:pPr>
+            <a:r>
+              <a:rPr lang="en-US" dirty="0" smtClean="0">
+                <a:latin typeface="Tisa Offc"/>
+              </a:rPr>
+              <a:t>Highest accuracy with Lymphocyte detection, lowest with </a:t>
+            </a:r>
+            <a:r>
+              <a:rPr lang="en-US" dirty="0" err="1" smtClean="0">
+                <a:latin typeface="Tisa Offc"/>
+              </a:rPr>
+              <a:t>momocyte</a:t>
+            </a:r>
+            <a:endParaRPr lang="en-US" dirty="0">
+              <a:latin typeface="Tisa Offc"/>
+            </a:endParaRPr>
+          </a:p>
+        </p:txBody>
+      </p:sp>
     </p:spTree>
     <p:extLst>
       <p:ext uri="{BB962C8B-B14F-4D97-AF65-F5344CB8AC3E}">
@@ -4879,6 +5066,44 @@
           </a:prstGeom>
         </p:spPr>
       </p:pic>
+      <p:sp>
+        <p:nvSpPr>
+          <p:cNvPr id="6" name="TextBox 5"/>
+          <p:cNvSpPr txBox="1"/>
+          <p:nvPr/>
+        </p:nvSpPr>
+        <p:spPr>
+          <a:xfrm>
+            <a:off x="1829038" y="11404121"/>
+            <a:ext cx="18258524" cy="830997"/>
+          </a:xfrm>
+          <a:prstGeom prst="rect">
+            <a:avLst/>
+          </a:prstGeom>
+          <a:noFill/>
+        </p:spPr>
+        <p:txBody>
+          <a:bodyPr wrap="none" rtlCol="0">
+            <a:spAutoFit/>
+          </a:bodyPr>
+          <a:lstStyle/>
+          <a:p>
+            <a:pPr marL="685800" indent="-685800">
+              <a:buFont typeface="Wingdings" panose="05000000000000000000" pitchFamily="2" charset="2"/>
+              <a:buChar char="§"/>
+            </a:pPr>
+            <a:r>
+              <a:rPr lang="en-US" dirty="0" smtClean="0">
+                <a:latin typeface="Tisa Offc"/>
+              </a:rPr>
+              <a:t>Steady climb in accuracy, training and test data have similar results</a:t>
+            </a:r>
+            <a:endParaRPr lang="en-US" dirty="0">
+              <a:latin typeface="Tisa Offc"/>
+            </a:endParaRPr>
+          </a:p>
+        </p:txBody>
+      </p:sp>
     </p:spTree>
     <p:extLst>
       <p:ext uri="{BB962C8B-B14F-4D97-AF65-F5344CB8AC3E}">
@@ -5047,7 +5272,7 @@
         <p:spPr>
           <a:xfrm>
             <a:off x="1829037" y="2558980"/>
-            <a:ext cx="7934247" cy="7855063"/>
+            <a:ext cx="9609589" cy="7855063"/>
           </a:xfrm>
           <a:prstGeom prst="rect">
             <a:avLst/>
@@ -5070,14 +5295,72 @@
         </p:blipFill>
         <p:spPr>
           <a:xfrm>
-            <a:off x="12792134" y="2666087"/>
-            <a:ext cx="8204560" cy="7913935"/>
+            <a:off x="12792133" y="2666087"/>
+            <a:ext cx="9084455" cy="7913935"/>
           </a:xfrm>
           <a:prstGeom prst="rect">
             <a:avLst/>
           </a:prstGeom>
         </p:spPr>
       </p:pic>
+      <p:sp>
+        <p:nvSpPr>
+          <p:cNvPr id="7" name="TextBox 6"/>
+          <p:cNvSpPr txBox="1"/>
+          <p:nvPr/>
+        </p:nvSpPr>
+        <p:spPr>
+          <a:xfrm>
+            <a:off x="1242204" y="10533941"/>
+            <a:ext cx="20324795" cy="2308324"/>
+          </a:xfrm>
+          <a:prstGeom prst="rect">
+            <a:avLst/>
+          </a:prstGeom>
+          <a:noFill/>
+        </p:spPr>
+        <p:txBody>
+          <a:bodyPr wrap="none" rtlCol="0">
+            <a:spAutoFit/>
+          </a:bodyPr>
+          <a:lstStyle/>
+          <a:p>
+            <a:pPr marL="685800" indent="-685800">
+              <a:buFont typeface="Wingdings" panose="05000000000000000000" pitchFamily="2" charset="2"/>
+              <a:buChar char="§"/>
+            </a:pPr>
+            <a:r>
+              <a:rPr lang="en-US" dirty="0" smtClean="0">
+                <a:latin typeface="Tisa Offc"/>
+              </a:rPr>
+              <a:t>83.96%  testing accuracy</a:t>
+            </a:r>
+          </a:p>
+          <a:p>
+            <a:pPr marL="685800" indent="-685800">
+              <a:buFont typeface="Wingdings" panose="05000000000000000000" pitchFamily="2" charset="2"/>
+              <a:buChar char="§"/>
+            </a:pPr>
+            <a:r>
+              <a:rPr lang="en-US" dirty="0" smtClean="0">
+                <a:latin typeface="Tisa Offc"/>
+              </a:rPr>
+              <a:t>Lymphocyte has highest detection accuracy, while neutrophil and monocyte</a:t>
+            </a:r>
+          </a:p>
+          <a:p>
+            <a:r>
+              <a:rPr lang="en-US" dirty="0" smtClean="0">
+                <a:latin typeface="Tisa Offc"/>
+              </a:rPr>
+              <a:t>    detection are similarly low </a:t>
+            </a:r>
+            <a:endParaRPr lang="en-US" dirty="0">
+              <a:latin typeface="Tisa Offc"/>
+            </a:endParaRPr>
+          </a:p>
+        </p:txBody>
+      </p:sp>
     </p:spTree>
     <p:extLst>
       <p:ext uri="{BB962C8B-B14F-4D97-AF65-F5344CB8AC3E}">
@@ -5327,7 +5610,7 @@
         </p:blipFill>
         <p:spPr>
           <a:xfrm>
-            <a:off x="4894528" y="4575683"/>
+            <a:off x="4894528" y="4260855"/>
             <a:ext cx="13735478" cy="6565961"/>
           </a:xfrm>
           <a:prstGeom prst="rect">
@@ -5335,6 +5618,44 @@
           </a:prstGeom>
         </p:spPr>
       </p:pic>
+      <p:sp>
+        <p:nvSpPr>
+          <p:cNvPr id="5" name="TextBox 4"/>
+          <p:cNvSpPr txBox="1"/>
+          <p:nvPr/>
+        </p:nvSpPr>
+        <p:spPr>
+          <a:xfrm>
+            <a:off x="1829038" y="11043427"/>
+            <a:ext cx="11565987" cy="830997"/>
+          </a:xfrm>
+          <a:prstGeom prst="rect">
+            <a:avLst/>
+          </a:prstGeom>
+          <a:noFill/>
+        </p:spPr>
+        <p:txBody>
+          <a:bodyPr wrap="none" rtlCol="0">
+            <a:spAutoFit/>
+          </a:bodyPr>
+          <a:lstStyle/>
+          <a:p>
+            <a:pPr marL="685800" indent="-685800">
+              <a:buFont typeface="Wingdings" panose="05000000000000000000" pitchFamily="2" charset="2"/>
+              <a:buChar char="§"/>
+            </a:pPr>
+            <a:r>
+              <a:rPr lang="en-US" dirty="0" smtClean="0">
+                <a:latin typeface="Tisa Offc"/>
+              </a:rPr>
+              <a:t>Low trial accuracy but high test accuracy</a:t>
+            </a:r>
+            <a:endParaRPr lang="en-US" dirty="0">
+              <a:latin typeface="Tisa Offc"/>
+            </a:endParaRPr>
+          </a:p>
+        </p:txBody>
+      </p:sp>
     </p:spTree>
     <p:extLst>
       <p:ext uri="{BB962C8B-B14F-4D97-AF65-F5344CB8AC3E}">
@@ -5481,7 +5802,7 @@
         <p:spPr>
           <a:xfrm>
             <a:off x="1829037" y="2294627"/>
-            <a:ext cx="7797019" cy="7719204"/>
+            <a:ext cx="9161016" cy="7719204"/>
           </a:xfrm>
           <a:prstGeom prst="rect">
             <a:avLst/>
@@ -5505,13 +5826,51 @@
         <p:spPr>
           <a:xfrm>
             <a:off x="12447077" y="2294627"/>
-            <a:ext cx="7856045" cy="7577766"/>
+            <a:ext cx="9283654" cy="7577766"/>
           </a:xfrm>
           <a:prstGeom prst="rect">
             <a:avLst/>
           </a:prstGeom>
         </p:spPr>
       </p:pic>
+      <p:sp>
+        <p:nvSpPr>
+          <p:cNvPr id="2" name="TextBox 1"/>
+          <p:cNvSpPr txBox="1"/>
+          <p:nvPr/>
+        </p:nvSpPr>
+        <p:spPr>
+          <a:xfrm>
+            <a:off x="1604513" y="10921042"/>
+            <a:ext cx="19755729" cy="830997"/>
+          </a:xfrm>
+          <a:prstGeom prst="rect">
+            <a:avLst/>
+          </a:prstGeom>
+          <a:noFill/>
+        </p:spPr>
+        <p:txBody>
+          <a:bodyPr wrap="none" rtlCol="0">
+            <a:spAutoFit/>
+          </a:bodyPr>
+          <a:lstStyle/>
+          <a:p>
+            <a:pPr marL="685800" indent="-685800">
+              <a:buFont typeface="Wingdings" panose="05000000000000000000" pitchFamily="2" charset="2"/>
+              <a:buChar char="§"/>
+            </a:pPr>
+            <a:r>
+              <a:rPr lang="en-US" dirty="0" smtClean="0">
+                <a:latin typeface="Tisa Offc"/>
+              </a:rPr>
+              <a:t>87.33% overall accuracy, all but monocyte detections reasonably accurate</a:t>
+            </a:r>
+            <a:endParaRPr lang="en-US" dirty="0">
+              <a:latin typeface="Tisa Offc"/>
+            </a:endParaRPr>
+          </a:p>
+        </p:txBody>
+      </p:sp>
     </p:spTree>
     <p:extLst>
       <p:ext uri="{BB962C8B-B14F-4D97-AF65-F5344CB8AC3E}">
@@ -5727,6 +6086,44 @@
           </a:prstGeom>
         </p:spPr>
       </p:pic>
+      <p:sp>
+        <p:nvSpPr>
+          <p:cNvPr id="2" name="TextBox 1"/>
+          <p:cNvSpPr txBox="1"/>
+          <p:nvPr/>
+        </p:nvSpPr>
+        <p:spPr>
+          <a:xfrm>
+            <a:off x="1932317" y="11455879"/>
+            <a:ext cx="12458860" cy="830997"/>
+          </a:xfrm>
+          <a:prstGeom prst="rect">
+            <a:avLst/>
+          </a:prstGeom>
+          <a:noFill/>
+        </p:spPr>
+        <p:txBody>
+          <a:bodyPr wrap="none" rtlCol="0">
+            <a:spAutoFit/>
+          </a:bodyPr>
+          <a:lstStyle/>
+          <a:p>
+            <a:pPr marL="685800" indent="-685800">
+              <a:buFont typeface="Wingdings" panose="05000000000000000000" pitchFamily="2" charset="2"/>
+              <a:buChar char="§"/>
+            </a:pPr>
+            <a:r>
+              <a:rPr lang="en-US" dirty="0" smtClean="0">
+                <a:latin typeface="Tisa Offc"/>
+              </a:rPr>
+              <a:t>Both trial and testing have similar accuracies</a:t>
+            </a:r>
+            <a:endParaRPr lang="en-US" dirty="0">
+              <a:latin typeface="Tisa Offc"/>
+            </a:endParaRPr>
+          </a:p>
+        </p:txBody>
+      </p:sp>
     </p:spTree>
     <p:extLst>
       <p:ext uri="{BB962C8B-B14F-4D97-AF65-F5344CB8AC3E}">
@@ -6165,8 +6562,8 @@
         </p:blipFill>
         <p:spPr>
           <a:xfrm>
-            <a:off x="2108801" y="2558980"/>
-            <a:ext cx="8631560" cy="8545417"/>
+            <a:off x="1001632" y="2558980"/>
+            <a:ext cx="10036652" cy="8545417"/>
           </a:xfrm>
           <a:prstGeom prst="rect">
             <a:avLst/>
@@ -6189,14 +6586,58 @@
         </p:blipFill>
         <p:spPr>
           <a:xfrm>
-            <a:off x="12867322" y="2576846"/>
-            <a:ext cx="8863409" cy="8549446"/>
+            <a:off x="12867322" y="2558980"/>
+            <a:ext cx="9690815" cy="8549446"/>
           </a:xfrm>
           <a:prstGeom prst="rect">
             <a:avLst/>
           </a:prstGeom>
         </p:spPr>
       </p:pic>
+      <p:sp>
+        <p:nvSpPr>
+          <p:cNvPr id="3" name="TextBox 2"/>
+          <p:cNvSpPr txBox="1"/>
+          <p:nvPr/>
+        </p:nvSpPr>
+        <p:spPr>
+          <a:xfrm>
+            <a:off x="2001328" y="11408059"/>
+            <a:ext cx="17881818" cy="830997"/>
+          </a:xfrm>
+          <a:prstGeom prst="rect">
+            <a:avLst/>
+          </a:prstGeom>
+          <a:noFill/>
+        </p:spPr>
+        <p:txBody>
+          <a:bodyPr wrap="none" rtlCol="0">
+            <a:spAutoFit/>
+          </a:bodyPr>
+          <a:lstStyle/>
+          <a:p>
+            <a:pPr marL="685800" indent="-685800">
+              <a:buFont typeface="Wingdings" panose="05000000000000000000" pitchFamily="2" charset="2"/>
+              <a:buChar char="§"/>
+            </a:pPr>
+            <a:r>
+              <a:rPr lang="en-US" dirty="0" smtClean="0">
+                <a:latin typeface="Tisa Offc"/>
+              </a:rPr>
+              <a:t>85.61% accuracy overall neutrophil and monocyte </a:t>
+            </a:r>
+            <a:r>
+              <a:rPr lang="en-US" smtClean="0">
+                <a:latin typeface="Tisa Offc"/>
+              </a:rPr>
+              <a:t>detection lowest</a:t>
+            </a:r>
+            <a:endParaRPr lang="en-US" dirty="0">
+              <a:latin typeface="Tisa Offc"/>
+            </a:endParaRPr>
+          </a:p>
+        </p:txBody>
+      </p:sp>
     </p:spTree>
     <p:extLst>
       <p:ext uri="{BB962C8B-B14F-4D97-AF65-F5344CB8AC3E}">
@@ -6602,7 +7043,7 @@
         <p:spPr>
           <a:xfrm>
             <a:off x="1560721" y="2053087"/>
-            <a:ext cx="8312608" cy="8229648"/>
+            <a:ext cx="9291310" cy="8229648"/>
           </a:xfrm>
           <a:prstGeom prst="rect">
             <a:avLst/>
@@ -6626,7 +7067,7 @@
         <p:spPr>
           <a:xfrm>
             <a:off x="12928634" y="2053087"/>
-            <a:ext cx="8191975" cy="7901796"/>
+            <a:ext cx="8802097" cy="7901796"/>
           </a:xfrm>
           <a:prstGeom prst="rect">
             <a:avLst/>
@@ -6905,7 +7346,7 @@
         <p:spPr>
           <a:xfrm>
             <a:off x="973743" y="3234400"/>
-            <a:ext cx="22598045" cy="2194908"/>
+            <a:ext cx="22598045" cy="3209289"/>
           </a:xfrm>
         </p:spPr>
         <p:txBody>
@@ -6922,14 +7363,43 @@
               <a:buChar char="§"/>
             </a:pPr>
             <a:r>
-              <a:rPr lang="en-US" sz="5400" dirty="0">
+              <a:rPr lang="en-US" sz="5400" dirty="0" smtClean="0">
                 <a:solidFill>
                   <a:schemeClr val="tx1"/>
                 </a:solidFill>
                 <a:latin typeface="Tisa Offc"/>
                 <a:cs typeface="Tisa Offc"/>
               </a:rPr>
-              <a:t>Apply same methodology to help identify blood diseases </a:t>
+              <a:t>Determine why lymphocyte accuracy is reliably high while others are not</a:t>
+            </a:r>
+          </a:p>
+          <a:p>
+            <a:pPr marL="457200" indent="-457200" algn="just">
+              <a:lnSpc>
+                <a:spcPct val="110000"/>
+              </a:lnSpc>
+              <a:buFont typeface="Wingdings" charset="2"/>
+              <a:buChar char="§"/>
+            </a:pPr>
+            <a:r>
+              <a:rPr lang="en-US" sz="5400" dirty="0" smtClean="0">
+                <a:solidFill>
+                  <a:schemeClr val="tx1"/>
+                </a:solidFill>
+                <a:latin typeface="Tisa Offc"/>
+                <a:cs typeface="Tisa Offc"/>
+              </a:rPr>
+              <a:t>Apply </a:t>
+            </a:r>
+            <a:r>
+              <a:rPr lang="en-US" sz="5400" dirty="0">
+                <a:solidFill>
+                  <a:schemeClr val="tx1"/>
+                </a:solidFill>
+                <a:latin typeface="Tisa Offc"/>
+                <a:cs typeface="Tisa Offc"/>
+              </a:rPr>
+              <a:t>same methodology to help identify blood diseases </a:t>
             </a:r>
             <a:r>
               <a:rPr lang="en-US" sz="5400" dirty="0" err="1">
@@ -7418,7 +7888,7 @@
           <p:cNvPr id="5" name="Picture 4">
             <a:extLst>
               <a:ext uri="{FF2B5EF4-FFF2-40B4-BE49-F238E27FC236}">
-                <a16:creationId xmlns="" xmlns:a16="http://schemas.microsoft.com/office/drawing/2014/main" id="{8636D432-FE1A-4B84-81DF-97A0F267C5E7}"/>
+                <a16:creationId xmlns:a16="http://schemas.microsoft.com/office/drawing/2014/main" xmlns="" id="{8636D432-FE1A-4B84-81DF-97A0F267C5E7}"/>
               </a:ext>
             </a:extLst>
           </p:cNvPr>
@@ -7448,7 +7918,7 @@
           <p:cNvPr id="6" name="TextBox 5">
             <a:extLst>
               <a:ext uri="{FF2B5EF4-FFF2-40B4-BE49-F238E27FC236}">
-                <a16:creationId xmlns="" xmlns:a16="http://schemas.microsoft.com/office/drawing/2014/main" id="{88C83AA9-0F70-4CED-9AD6-63E58838F66C}"/>
+                <a16:creationId xmlns:a16="http://schemas.microsoft.com/office/drawing/2014/main" xmlns="" id="{88C83AA9-0F70-4CED-9AD6-63E58838F66C}"/>
               </a:ext>
             </a:extLst>
           </p:cNvPr>
@@ -8409,7 +8879,7 @@
           <p:cNvPr id="5" name="Picture 4">
             <a:extLst>
               <a:ext uri="{FF2B5EF4-FFF2-40B4-BE49-F238E27FC236}">
-                <a16:creationId xmlns="" xmlns:a16="http://schemas.microsoft.com/office/drawing/2014/main" id="{0EF7A0CE-4B70-4E8D-B9F1-632C6C052D5D}"/>
+                <a16:creationId xmlns:a16="http://schemas.microsoft.com/office/drawing/2014/main" xmlns="" id="{0EF7A0CE-4B70-4E8D-B9F1-632C6C052D5D}"/>
               </a:ext>
             </a:extLst>
           </p:cNvPr>
@@ -8439,7 +8909,7 @@
           <p:cNvPr id="7" name="Picture 6">
             <a:extLst>
               <a:ext uri="{FF2B5EF4-FFF2-40B4-BE49-F238E27FC236}">
-                <a16:creationId xmlns="" xmlns:a16="http://schemas.microsoft.com/office/drawing/2014/main" id="{DEAF1C4F-1938-4349-AE28-4F49B1D6C49C}"/>
+                <a16:creationId xmlns:a16="http://schemas.microsoft.com/office/drawing/2014/main" xmlns="" id="{DEAF1C4F-1938-4349-AE28-4F49B1D6C49C}"/>
               </a:ext>
             </a:extLst>
           </p:cNvPr>
@@ -8469,7 +8939,7 @@
           <p:cNvPr id="8" name="TextBox 7">
             <a:extLst>
               <a:ext uri="{FF2B5EF4-FFF2-40B4-BE49-F238E27FC236}">
-                <a16:creationId xmlns="" xmlns:a16="http://schemas.microsoft.com/office/drawing/2014/main" id="{9AF95BA5-4283-443A-ACCD-4B94269808A5}"/>
+                <a16:creationId xmlns:a16="http://schemas.microsoft.com/office/drawing/2014/main" xmlns="" id="{9AF95BA5-4283-443A-ACCD-4B94269808A5}"/>
               </a:ext>
             </a:extLst>
           </p:cNvPr>
@@ -8506,7 +8976,7 @@
           <p:cNvPr id="9" name="TextBox 8">
             <a:extLst>
               <a:ext uri="{FF2B5EF4-FFF2-40B4-BE49-F238E27FC236}">
-                <a16:creationId xmlns="" xmlns:a16="http://schemas.microsoft.com/office/drawing/2014/main" id="{59C41B83-3187-4705-9BBE-1239F841BC81}"/>
+                <a16:creationId xmlns:a16="http://schemas.microsoft.com/office/drawing/2014/main" xmlns="" id="{59C41B83-3187-4705-9BBE-1239F841BC81}"/>
               </a:ext>
             </a:extLst>
           </p:cNvPr>
@@ -9049,15 +9519,6 @@
 </file>
 
 <file path=customXml/item1.xml><?xml version="1.0" encoding="utf-8"?>
-<p:properties xmlns:p="http://schemas.microsoft.com/office/2006/metadata/properties" xmlns:xsi="http://www.w3.org/2001/XMLSchema-instance" xmlns:pc="http://schemas.microsoft.com/office/infopath/2007/PartnerControls">
-  <documentManagement>
-    <_Version xmlns="http://schemas.microsoft.com/sharepoint/v3/fields" xsi:nil="true"/>
-    <_Status xmlns="http://schemas.microsoft.com/sharepoint/v3/fields">Not Started</_Status>
-  </documentManagement>
-</p:properties>
-</file>
-
-<file path=customXml/item2.xml><?xml version="1.0" encoding="utf-8"?>
 <ct:contentTypeSchema xmlns:ct="http://schemas.microsoft.com/office/2006/metadata/contentType" xmlns:ma="http://schemas.microsoft.com/office/2006/metadata/properties/metaAttributes" ct:_="" ma:_="" ma:contentTypeName="Document" ma:contentTypeID="0x0101000DE64AEEDD9B7A4D93545ACBE97D4615" ma:contentTypeVersion="2" ma:contentTypeDescription="Create a new document." ma:contentTypeScope="" ma:versionID="f49002b78e3a4a71b814eef46a983816">
   <xsd:schema xmlns:xsd="http://www.w3.org/2001/XMLSchema" xmlns:xs="http://www.w3.org/2001/XMLSchema" xmlns:p="http://schemas.microsoft.com/office/2006/metadata/properties" xmlns:ns2="http://schemas.microsoft.com/sharepoint/v3/fields" targetNamespace="http://schemas.microsoft.com/office/2006/metadata/properties" ma:root="true" ma:fieldsID="38f6db2dd0d9a0cf6a8dc37be32b365b" ns2:_="">
     <xsd:import namespace="http://schemas.microsoft.com/sharepoint/v3/fields"/>
@@ -9201,6 +9662,15 @@
 </ct:contentTypeSchema>
 </file>
 
+<file path=customXml/item2.xml><?xml version="1.0" encoding="utf-8"?>
+<p:properties xmlns:p="http://schemas.microsoft.com/office/2006/metadata/properties" xmlns:xsi="http://www.w3.org/2001/XMLSchema-instance" xmlns:pc="http://schemas.microsoft.com/office/infopath/2007/PartnerControls">
+  <documentManagement>
+    <_Version xmlns="http://schemas.microsoft.com/sharepoint/v3/fields" xsi:nil="true"/>
+    <_Status xmlns="http://schemas.microsoft.com/sharepoint/v3/fields">Not Started</_Status>
+  </documentManagement>
+</p:properties>
+</file>
+
 <file path=customXml/item3.xml><?xml version="1.0" encoding="utf-8"?>
 <?mso-contentType ?>
 <FormTemplates xmlns="http://schemas.microsoft.com/sharepoint/v3/contenttype/forms">
@@ -9211,22 +9681,6 @@
 </file>
 
 <file path=customXml/itemProps1.xml><?xml version="1.0" encoding="utf-8"?>
-<ds:datastoreItem xmlns:ds="http://schemas.openxmlformats.org/officeDocument/2006/customXml" ds:itemID="{7B6F2769-7194-4217-93D3-3AF3A4742282}">
-  <ds:schemaRefs>
-    <ds:schemaRef ds:uri="http://purl.org/dc/terms/"/>
-    <ds:schemaRef ds:uri="http://schemas.openxmlformats.org/package/2006/metadata/core-properties"/>
-    <ds:schemaRef ds:uri="http://schemas.microsoft.com/office/2006/documentManagement/types"/>
-    <ds:schemaRef ds:uri="http://schemas.microsoft.com/office/infopath/2007/PartnerControls"/>
-    <ds:schemaRef ds:uri="http://purl.org/dc/elements/1.1/"/>
-    <ds:schemaRef ds:uri="http://schemas.microsoft.com/office/2006/metadata/properties"/>
-    <ds:schemaRef ds:uri="http://schemas.microsoft.com/sharepoint/v3/fields"/>
-    <ds:schemaRef ds:uri="http://www.w3.org/XML/1998/namespace"/>
-    <ds:schemaRef ds:uri="http://purl.org/dc/dcmitype/"/>
-  </ds:schemaRefs>
-</ds:datastoreItem>
-</file>
-
-<file path=customXml/itemProps2.xml><?xml version="1.0" encoding="utf-8"?>
 <ds:datastoreItem xmlns:ds="http://schemas.openxmlformats.org/officeDocument/2006/customXml" ds:itemID="{E4214858-785C-42F7-BE66-6D0E79395FC8}">
   <ds:schemaRefs>
     <ds:schemaRef ds:uri="http://schemas.microsoft.com/office/2006/metadata/contentType"/>
@@ -9244,6 +9698,22 @@
 </ds:datastoreItem>
 </file>
 
+<file path=customXml/itemProps2.xml><?xml version="1.0" encoding="utf-8"?>
+<ds:datastoreItem xmlns:ds="http://schemas.openxmlformats.org/officeDocument/2006/customXml" ds:itemID="{7B6F2769-7194-4217-93D3-3AF3A4742282}">
+  <ds:schemaRefs>
+    <ds:schemaRef ds:uri="http://purl.org/dc/terms/"/>
+    <ds:schemaRef ds:uri="http://schemas.openxmlformats.org/package/2006/metadata/core-properties"/>
+    <ds:schemaRef ds:uri="http://schemas.microsoft.com/office/2006/documentManagement/types"/>
+    <ds:schemaRef ds:uri="http://schemas.microsoft.com/office/infopath/2007/PartnerControls"/>
+    <ds:schemaRef ds:uri="http://purl.org/dc/elements/1.1/"/>
+    <ds:schemaRef ds:uri="http://schemas.microsoft.com/office/2006/metadata/properties"/>
+    <ds:schemaRef ds:uri="http://schemas.microsoft.com/sharepoint/v3/fields"/>
+    <ds:schemaRef ds:uri="http://www.w3.org/XML/1998/namespace"/>
+    <ds:schemaRef ds:uri="http://purl.org/dc/dcmitype/"/>
+  </ds:schemaRefs>
+</ds:datastoreItem>
+</file>
+
 <file path=customXml/itemProps3.xml><?xml version="1.0" encoding="utf-8"?>
 <ds:datastoreItem xmlns:ds="http://schemas.openxmlformats.org/officeDocument/2006/customXml" ds:itemID="{87D2A1B0-FF3E-4009-940D-AED0EB70AA20}">
   <ds:schemaRefs>
